--- a/week5/week5.pptx
+++ b/week5/week5.pptx
@@ -393,7 +393,7 @@
           <a:p>
             <a:fld id="{4AAD347D-5ACD-4C99-B74B-A9C85AD731AF}" type="datetimeFigureOut">
               <a:rPr lang="en-US" dirty="0"/>
-              <a:t>3/6/2018</a:t>
+              <a:t>3/7/2018</a:t>
             </a:fld>
             <a:endParaRPr lang="en-US" dirty="0"/>
           </a:p>
@@ -663,7 +663,7 @@
           <a:p>
             <a:fld id="{4509A250-FF31-4206-8172-F9D3106AACB1}" type="datetimeFigureOut">
               <a:rPr lang="en-US" dirty="0"/>
-              <a:t>3/6/2018</a:t>
+              <a:t>3/7/2018</a:t>
             </a:fld>
             <a:endParaRPr lang="en-US" dirty="0"/>
           </a:p>
@@ -852,7 +852,7 @@
           <a:p>
             <a:fld id="{4509A250-FF31-4206-8172-F9D3106AACB1}" type="datetimeFigureOut">
               <a:rPr lang="en-US" dirty="0"/>
-              <a:t>3/6/2018</a:t>
+              <a:t>3/7/2018</a:t>
             </a:fld>
             <a:endParaRPr lang="en-US" dirty="0"/>
           </a:p>
@@ -1120,7 +1120,7 @@
           <a:p>
             <a:fld id="{4509A250-FF31-4206-8172-F9D3106AACB1}" type="datetimeFigureOut">
               <a:rPr lang="en-US" dirty="0"/>
-              <a:t>3/6/2018</a:t>
+              <a:t>3/7/2018</a:t>
             </a:fld>
             <a:endParaRPr lang="en-US" dirty="0"/>
           </a:p>
@@ -1456,7 +1456,7 @@
           <a:p>
             <a:fld id="{4509A250-FF31-4206-8172-F9D3106AACB1}" type="datetimeFigureOut">
               <a:rPr lang="en-US" dirty="0"/>
-              <a:t>3/6/2018</a:t>
+              <a:t>3/7/2018</a:t>
             </a:fld>
             <a:endParaRPr lang="en-US" dirty="0"/>
           </a:p>
@@ -2074,7 +2074,7 @@
           <a:p>
             <a:fld id="{4509A250-FF31-4206-8172-F9D3106AACB1}" type="datetimeFigureOut">
               <a:rPr lang="en-US" dirty="0"/>
-              <a:t>3/6/2018</a:t>
+              <a:t>3/7/2018</a:t>
             </a:fld>
             <a:endParaRPr lang="en-US" dirty="0"/>
           </a:p>
@@ -2929,7 +2929,7 @@
           <a:p>
             <a:fld id="{4509A250-FF31-4206-8172-F9D3106AACB1}" type="datetimeFigureOut">
               <a:rPr lang="en-US" dirty="0"/>
-              <a:t>3/6/2018</a:t>
+              <a:t>3/7/2018</a:t>
             </a:fld>
             <a:endParaRPr lang="en-US" dirty="0"/>
           </a:p>
@@ -3094,7 +3094,7 @@
           <a:p>
             <a:fld id="{4509A250-FF31-4206-8172-F9D3106AACB1}" type="datetimeFigureOut">
               <a:rPr lang="en-US" dirty="0"/>
-              <a:t>3/6/2018</a:t>
+              <a:t>3/7/2018</a:t>
             </a:fld>
             <a:endParaRPr lang="en-US" dirty="0"/>
           </a:p>
@@ -3269,7 +3269,7 @@
           <a:p>
             <a:fld id="{4509A250-FF31-4206-8172-F9D3106AACB1}" type="datetimeFigureOut">
               <a:rPr lang="en-US" dirty="0"/>
-              <a:t>3/6/2018</a:t>
+              <a:t>3/7/2018</a:t>
             </a:fld>
             <a:endParaRPr lang="en-US" dirty="0"/>
           </a:p>
@@ -3434,7 +3434,7 @@
           <a:p>
             <a:fld id="{4509A250-FF31-4206-8172-F9D3106AACB1}" type="datetimeFigureOut">
               <a:rPr lang="en-US" dirty="0"/>
-              <a:t>3/6/2018</a:t>
+              <a:t>3/7/2018</a:t>
             </a:fld>
             <a:endParaRPr lang="en-US" dirty="0"/>
           </a:p>
@@ -3676,7 +3676,7 @@
           <a:p>
             <a:fld id="{9796027F-7875-4030-9381-8BD8C4F21935}" type="datetimeFigureOut">
               <a:rPr lang="en-US" dirty="0"/>
-              <a:t>3/6/2018</a:t>
+              <a:t>3/7/2018</a:t>
             </a:fld>
             <a:endParaRPr lang="en-US" dirty="0"/>
           </a:p>
@@ -3963,7 +3963,7 @@
           <a:p>
             <a:fld id="{9796027F-7875-4030-9381-8BD8C4F21935}" type="datetimeFigureOut">
               <a:rPr lang="en-US" dirty="0"/>
-              <a:t>3/6/2018</a:t>
+              <a:t>3/7/2018</a:t>
             </a:fld>
             <a:endParaRPr lang="en-US" dirty="0"/>
           </a:p>
@@ -4402,7 +4402,7 @@
           <a:p>
             <a:fld id="{9796027F-7875-4030-9381-8BD8C4F21935}" type="datetimeFigureOut">
               <a:rPr lang="en-US" dirty="0"/>
-              <a:t>3/6/2018</a:t>
+              <a:t>3/7/2018</a:t>
             </a:fld>
             <a:endParaRPr lang="en-US" dirty="0"/>
           </a:p>
@@ -4515,7 +4515,7 @@
           <a:p>
             <a:fld id="{4509A250-FF31-4206-8172-F9D3106AACB1}" type="datetimeFigureOut">
               <a:rPr lang="en-US" dirty="0"/>
-              <a:t>3/6/2018</a:t>
+              <a:t>3/7/2018</a:t>
             </a:fld>
             <a:endParaRPr lang="en-US" dirty="0"/>
           </a:p>
@@ -4605,7 +4605,7 @@
           <a:p>
             <a:fld id="{4509A250-FF31-4206-8172-F9D3106AACB1}" type="datetimeFigureOut">
               <a:rPr lang="en-US" dirty="0"/>
-              <a:t>3/6/2018</a:t>
+              <a:t>3/7/2018</a:t>
             </a:fld>
             <a:endParaRPr lang="en-US" dirty="0"/>
           </a:p>
@@ -4879,7 +4879,7 @@
           <a:p>
             <a:fld id="{4509A250-FF31-4206-8172-F9D3106AACB1}" type="datetimeFigureOut">
               <a:rPr lang="en-US" dirty="0"/>
-              <a:t>3/6/2018</a:t>
+              <a:t>3/7/2018</a:t>
             </a:fld>
             <a:endParaRPr lang="en-US" dirty="0"/>
           </a:p>
@@ -5149,7 +5149,7 @@
           <a:p>
             <a:fld id="{4509A250-FF31-4206-8172-F9D3106AACB1}" type="datetimeFigureOut">
               <a:rPr lang="en-US" dirty="0"/>
-              <a:t>3/6/2018</a:t>
+              <a:t>3/7/2018</a:t>
             </a:fld>
             <a:endParaRPr lang="en-US" dirty="0"/>
           </a:p>
@@ -5573,7 +5573,7 @@
           <a:p>
             <a:fld id="{4AAD347D-5ACD-4C99-B74B-A9C85AD731AF}" type="datetimeFigureOut">
               <a:rPr lang="en-US" dirty="0"/>
-              <a:t>3/6/2018</a:t>
+              <a:t>3/7/2018</a:t>
             </a:fld>
             <a:endParaRPr lang="en-US" dirty="0"/>
           </a:p>
@@ -6140,7 +6140,11 @@
           <a:p>
             <a:r>
               <a:rPr lang="en-GB" dirty="0" smtClean="0"/>
-              <a:t>Week 4: More LISTS, MORE STRINGS and MORE TESTING.</a:t>
+              <a:t>Week </a:t>
+            </a:r>
+            <a:r>
+              <a:rPr lang="en-GB" dirty="0" smtClean="0"/>
+              <a:t>5: Modules, Dictionaries, Randomness and Files</a:t>
             </a:r>
             <a:endParaRPr lang="en-GB" dirty="0"/>
           </a:p>
@@ -11123,7 +11127,6 @@
               <a:rPr lang="en-GB" b="1" dirty="0" smtClean="0"/>
               <a:t>Commonly Used Modes.</a:t>
             </a:r>
-            <a:endParaRPr lang="en-GB" b="1" dirty="0" smtClean="0"/>
           </a:p>
         </p:txBody>
       </p:sp>
@@ -15847,11 +15850,6 @@
               </a:rPr>
               <a:t> using each of these methods, but they only really matter with giant files.</a:t>
             </a:r>
-            <a:endParaRPr lang="en-GB" dirty="0" smtClean="0">
-              <a:solidFill>
-                <a:srgbClr val="FFFF00"/>
-              </a:solidFill>
-            </a:endParaRPr>
           </a:p>
         </p:txBody>
       </p:sp>

--- a/week5/week5.pptx
+++ b/week5/week5.pptx
@@ -393,7 +393,7 @@
           <a:p>
             <a:fld id="{4AAD347D-5ACD-4C99-B74B-A9C85AD731AF}" type="datetimeFigureOut">
               <a:rPr lang="en-US" dirty="0"/>
-              <a:t>3/7/2018</a:t>
+              <a:t>6/16/2018</a:t>
             </a:fld>
             <a:endParaRPr lang="en-US" dirty="0"/>
           </a:p>
@@ -663,7 +663,7 @@
           <a:p>
             <a:fld id="{4509A250-FF31-4206-8172-F9D3106AACB1}" type="datetimeFigureOut">
               <a:rPr lang="en-US" dirty="0"/>
-              <a:t>3/7/2018</a:t>
+              <a:t>6/16/2018</a:t>
             </a:fld>
             <a:endParaRPr lang="en-US" dirty="0"/>
           </a:p>
@@ -852,7 +852,7 @@
           <a:p>
             <a:fld id="{4509A250-FF31-4206-8172-F9D3106AACB1}" type="datetimeFigureOut">
               <a:rPr lang="en-US" dirty="0"/>
-              <a:t>3/7/2018</a:t>
+              <a:t>6/16/2018</a:t>
             </a:fld>
             <a:endParaRPr lang="en-US" dirty="0"/>
           </a:p>
@@ -1120,7 +1120,7 @@
           <a:p>
             <a:fld id="{4509A250-FF31-4206-8172-F9D3106AACB1}" type="datetimeFigureOut">
               <a:rPr lang="en-US" dirty="0"/>
-              <a:t>3/7/2018</a:t>
+              <a:t>6/16/2018</a:t>
             </a:fld>
             <a:endParaRPr lang="en-US" dirty="0"/>
           </a:p>
@@ -1456,7 +1456,7 @@
           <a:p>
             <a:fld id="{4509A250-FF31-4206-8172-F9D3106AACB1}" type="datetimeFigureOut">
               <a:rPr lang="en-US" dirty="0"/>
-              <a:t>3/7/2018</a:t>
+              <a:t>6/16/2018</a:t>
             </a:fld>
             <a:endParaRPr lang="en-US" dirty="0"/>
           </a:p>
@@ -2074,7 +2074,7 @@
           <a:p>
             <a:fld id="{4509A250-FF31-4206-8172-F9D3106AACB1}" type="datetimeFigureOut">
               <a:rPr lang="en-US" dirty="0"/>
-              <a:t>3/7/2018</a:t>
+              <a:t>6/16/2018</a:t>
             </a:fld>
             <a:endParaRPr lang="en-US" dirty="0"/>
           </a:p>
@@ -2929,7 +2929,7 @@
           <a:p>
             <a:fld id="{4509A250-FF31-4206-8172-F9D3106AACB1}" type="datetimeFigureOut">
               <a:rPr lang="en-US" dirty="0"/>
-              <a:t>3/7/2018</a:t>
+              <a:t>6/16/2018</a:t>
             </a:fld>
             <a:endParaRPr lang="en-US" dirty="0"/>
           </a:p>
@@ -3094,7 +3094,7 @@
           <a:p>
             <a:fld id="{4509A250-FF31-4206-8172-F9D3106AACB1}" type="datetimeFigureOut">
               <a:rPr lang="en-US" dirty="0"/>
-              <a:t>3/7/2018</a:t>
+              <a:t>6/16/2018</a:t>
             </a:fld>
             <a:endParaRPr lang="en-US" dirty="0"/>
           </a:p>
@@ -3269,7 +3269,7 @@
           <a:p>
             <a:fld id="{4509A250-FF31-4206-8172-F9D3106AACB1}" type="datetimeFigureOut">
               <a:rPr lang="en-US" dirty="0"/>
-              <a:t>3/7/2018</a:t>
+              <a:t>6/16/2018</a:t>
             </a:fld>
             <a:endParaRPr lang="en-US" dirty="0"/>
           </a:p>
@@ -3434,7 +3434,7 @@
           <a:p>
             <a:fld id="{4509A250-FF31-4206-8172-F9D3106AACB1}" type="datetimeFigureOut">
               <a:rPr lang="en-US" dirty="0"/>
-              <a:t>3/7/2018</a:t>
+              <a:t>6/16/2018</a:t>
             </a:fld>
             <a:endParaRPr lang="en-US" dirty="0"/>
           </a:p>
@@ -3676,7 +3676,7 @@
           <a:p>
             <a:fld id="{9796027F-7875-4030-9381-8BD8C4F21935}" type="datetimeFigureOut">
               <a:rPr lang="en-US" dirty="0"/>
-              <a:t>3/7/2018</a:t>
+              <a:t>6/16/2018</a:t>
             </a:fld>
             <a:endParaRPr lang="en-US" dirty="0"/>
           </a:p>
@@ -3963,7 +3963,7 @@
           <a:p>
             <a:fld id="{9796027F-7875-4030-9381-8BD8C4F21935}" type="datetimeFigureOut">
               <a:rPr lang="en-US" dirty="0"/>
-              <a:t>3/7/2018</a:t>
+              <a:t>6/16/2018</a:t>
             </a:fld>
             <a:endParaRPr lang="en-US" dirty="0"/>
           </a:p>
@@ -4402,7 +4402,7 @@
           <a:p>
             <a:fld id="{9796027F-7875-4030-9381-8BD8C4F21935}" type="datetimeFigureOut">
               <a:rPr lang="en-US" dirty="0"/>
-              <a:t>3/7/2018</a:t>
+              <a:t>6/16/2018</a:t>
             </a:fld>
             <a:endParaRPr lang="en-US" dirty="0"/>
           </a:p>
@@ -4515,7 +4515,7 @@
           <a:p>
             <a:fld id="{4509A250-FF31-4206-8172-F9D3106AACB1}" type="datetimeFigureOut">
               <a:rPr lang="en-US" dirty="0"/>
-              <a:t>3/7/2018</a:t>
+              <a:t>6/16/2018</a:t>
             </a:fld>
             <a:endParaRPr lang="en-US" dirty="0"/>
           </a:p>
@@ -4605,7 +4605,7 @@
           <a:p>
             <a:fld id="{4509A250-FF31-4206-8172-F9D3106AACB1}" type="datetimeFigureOut">
               <a:rPr lang="en-US" dirty="0"/>
-              <a:t>3/7/2018</a:t>
+              <a:t>6/16/2018</a:t>
             </a:fld>
             <a:endParaRPr lang="en-US" dirty="0"/>
           </a:p>
@@ -4879,7 +4879,7 @@
           <a:p>
             <a:fld id="{4509A250-FF31-4206-8172-F9D3106AACB1}" type="datetimeFigureOut">
               <a:rPr lang="en-US" dirty="0"/>
-              <a:t>3/7/2018</a:t>
+              <a:t>6/16/2018</a:t>
             </a:fld>
             <a:endParaRPr lang="en-US" dirty="0"/>
           </a:p>
@@ -5149,7 +5149,7 @@
           <a:p>
             <a:fld id="{4509A250-FF31-4206-8172-F9D3106AACB1}" type="datetimeFigureOut">
               <a:rPr lang="en-US" dirty="0"/>
-              <a:t>3/7/2018</a:t>
+              <a:t>6/16/2018</a:t>
             </a:fld>
             <a:endParaRPr lang="en-US" dirty="0"/>
           </a:p>
@@ -5573,7 +5573,7 @@
           <a:p>
             <a:fld id="{4AAD347D-5ACD-4C99-B74B-A9C85AD731AF}" type="datetimeFigureOut">
               <a:rPr lang="en-US" dirty="0"/>
-              <a:t>3/7/2018</a:t>
+              <a:t>6/16/2018</a:t>
             </a:fld>
             <a:endParaRPr lang="en-US" dirty="0"/>
           </a:p>
@@ -6140,11 +6140,7 @@
           <a:p>
             <a:r>
               <a:rPr lang="en-GB" dirty="0" smtClean="0"/>
-              <a:t>Week </a:t>
-            </a:r>
-            <a:r>
-              <a:rPr lang="en-GB" dirty="0" smtClean="0"/>
-              <a:t>5: Modules, Dictionaries, Randomness and Files</a:t>
+              <a:t>Week 5: Modules, Dictionaries, Randomness and Files</a:t>
             </a:r>
             <a:endParaRPr lang="en-GB" dirty="0"/>
           </a:p>
@@ -12273,19 +12269,13 @@
             <a:pPr lvl="1"/>
             <a:r>
               <a:rPr lang="en-GB" dirty="0" smtClean="0"/>
-              <a:t>Reading and Writing from files on the disk.</a:t>
-            </a:r>
-          </a:p>
-          <a:p>
-            <a:pPr lvl="1"/>
-            <a:endParaRPr lang="en-GB" dirty="0"/>
-          </a:p>
-          <a:p>
-            <a:r>
-              <a:rPr lang="en-GB" sz="1600" i="1" dirty="0" smtClean="0"/>
-              <a:t>We will also get to work with palindromes.</a:t>
-            </a:r>
-            <a:endParaRPr lang="en-GB" sz="1600" i="1" dirty="0"/>
+              <a:t>Reading and Writing from files on the disk</a:t>
+            </a:r>
+            <a:r>
+              <a:rPr lang="en-GB" dirty="0" smtClean="0"/>
+              <a:t>.</a:t>
+            </a:r>
+            <a:endParaRPr lang="en-GB" dirty="0" smtClean="0"/>
           </a:p>
         </p:txBody>
       </p:sp>
@@ -18020,8 +18010,38 @@
                   <a:srgbClr val="FFFF00"/>
                 </a:solidFill>
               </a:rPr>
-              <a:t>Tip: Remember to strip off the newline !</a:t>
-            </a:r>
+              <a:t>Tip: Remember to strip off the newline </a:t>
+            </a:r>
+            <a:r>
+              <a:rPr lang="en-GB" dirty="0" smtClean="0">
+                <a:solidFill>
+                  <a:srgbClr val="FFFF00"/>
+                </a:solidFill>
+              </a:rPr>
+              <a:t>!</a:t>
+            </a:r>
+          </a:p>
+          <a:p>
+            <a:endParaRPr lang="en-GB" dirty="0" smtClean="0">
+              <a:solidFill>
+                <a:srgbClr val="FFFF00"/>
+              </a:solidFill>
+            </a:endParaRPr>
+          </a:p>
+          <a:p>
+            <a:r>
+              <a:rPr lang="en-GB" dirty="0" smtClean="0"/>
+              <a:t>Your task is to find all the palindromes in that word list.</a:t>
+            </a:r>
+          </a:p>
+          <a:p>
+            <a:pPr lvl="1"/>
+            <a:r>
+              <a:rPr lang="en-GB" i="1" dirty="0"/>
+              <a:t>If you don't know what a palindrome is, look it up on the internet or in a dictionary.</a:t>
+            </a:r>
+          </a:p>
+          <a:p>
             <a:endParaRPr lang="en-GB" dirty="0">
               <a:solidFill>
                 <a:srgbClr val="FFFF00"/>

--- a/week5/week5.pptx
+++ b/week5/week5.pptx
@@ -249,7 +249,7 @@
           </a:lstStyle>
           <a:p>
             <a:r>
-              <a:rPr lang="en-US" smtClean="0"/>
+              <a:rPr lang="en-US"/>
               <a:t>Click to edit Master title style</a:t>
             </a:r>
             <a:endParaRPr lang="en-US" dirty="0"/>
@@ -369,7 +369,7 @@
           </a:lstStyle>
           <a:p>
             <a:r>
-              <a:rPr lang="en-US" smtClean="0"/>
+              <a:rPr lang="en-US"/>
               <a:t>Click to edit Master subtitle style</a:t>
             </a:r>
             <a:endParaRPr lang="en-US" dirty="0"/>
@@ -393,7 +393,7 @@
           <a:p>
             <a:fld id="{4AAD347D-5ACD-4C99-B74B-A9C85AD731AF}" type="datetimeFigureOut">
               <a:rPr lang="en-US" dirty="0"/>
-              <a:t>6/16/2018</a:t>
+              <a:t>6/19/2018</a:t>
             </a:fld>
             <a:endParaRPr lang="en-US" dirty="0"/>
           </a:p>
@@ -493,7 +493,7 @@
           </a:lstStyle>
           <a:p>
             <a:r>
-              <a:rPr lang="en-US" smtClean="0"/>
+              <a:rPr lang="en-US"/>
               <a:t>Click to edit Master title style</a:t>
             </a:r>
             <a:endParaRPr lang="en-US" dirty="0"/>
@@ -572,7 +572,7 @@
           </a:lstStyle>
           <a:p>
             <a:r>
-              <a:rPr lang="en-US" smtClean="0"/>
+              <a:rPr lang="en-US"/>
               <a:t>Click icon to add picture</a:t>
             </a:r>
             <a:endParaRPr lang="en-US" dirty="0"/>
@@ -640,7 +640,7 @@
           <a:p>
             <a:pPr lvl="0"/>
             <a:r>
-              <a:rPr lang="en-US" smtClean="0"/>
+              <a:rPr lang="en-US"/>
               <a:t>Click to edit Master text styles</a:t>
             </a:r>
           </a:p>
@@ -663,7 +663,7 @@
           <a:p>
             <a:fld id="{4509A250-FF31-4206-8172-F9D3106AACB1}" type="datetimeFigureOut">
               <a:rPr lang="en-US" dirty="0"/>
-              <a:t>6/16/2018</a:t>
+              <a:t>6/19/2018</a:t>
             </a:fld>
             <a:endParaRPr lang="en-US" dirty="0"/>
           </a:p>
@@ -761,7 +761,7 @@
           </a:lstStyle>
           <a:p>
             <a:r>
-              <a:rPr lang="en-US" smtClean="0"/>
+              <a:rPr lang="en-US"/>
               <a:t>Click to edit Master title style</a:t>
             </a:r>
             <a:endParaRPr lang="en-US" dirty="0"/>
@@ -829,7 +829,7 @@
           <a:p>
             <a:pPr lvl="0"/>
             <a:r>
-              <a:rPr lang="en-US" smtClean="0"/>
+              <a:rPr lang="en-US"/>
               <a:t>Click to edit Master text styles</a:t>
             </a:r>
           </a:p>
@@ -852,7 +852,7 @@
           <a:p>
             <a:fld id="{4509A250-FF31-4206-8172-F9D3106AACB1}" type="datetimeFigureOut">
               <a:rPr lang="en-US" dirty="0"/>
-              <a:t>6/16/2018</a:t>
+              <a:t>6/19/2018</a:t>
             </a:fld>
             <a:endParaRPr lang="en-US" dirty="0"/>
           </a:p>
@@ -950,7 +950,7 @@
           </a:lstStyle>
           <a:p>
             <a:r>
-              <a:rPr lang="en-US" smtClean="0"/>
+              <a:rPr lang="en-US"/>
               <a:t>Click to edit Master title style</a:t>
             </a:r>
             <a:endParaRPr lang="en-US" dirty="0"/>
@@ -1030,7 +1030,7 @@
               <a:buNone/>
             </a:pPr>
             <a:r>
-              <a:rPr lang="en-US" smtClean="0"/>
+              <a:rPr lang="en-US"/>
               <a:t>Click to edit Master text styles</a:t>
             </a:r>
           </a:p>
@@ -1097,7 +1097,7 @@
           <a:p>
             <a:pPr lvl="0"/>
             <a:r>
-              <a:rPr lang="en-US" smtClean="0"/>
+              <a:rPr lang="en-US"/>
               <a:t>Click to edit Master text styles</a:t>
             </a:r>
           </a:p>
@@ -1120,7 +1120,7 @@
           <a:p>
             <a:fld id="{4509A250-FF31-4206-8172-F9D3106AACB1}" type="datetimeFigureOut">
               <a:rPr lang="en-US" dirty="0"/>
-              <a:t>6/16/2018</a:t>
+              <a:t>6/19/2018</a:t>
             </a:fld>
             <a:endParaRPr lang="en-US" dirty="0"/>
           </a:p>
@@ -1312,7 +1312,7 @@
           </a:lstStyle>
           <a:p>
             <a:r>
-              <a:rPr lang="en-US" smtClean="0"/>
+              <a:rPr lang="en-US"/>
               <a:t>Click to edit Master title style</a:t>
             </a:r>
             <a:endParaRPr lang="en-US" dirty="0"/>
@@ -1433,7 +1433,7 @@
           <a:p>
             <a:pPr lvl="0"/>
             <a:r>
-              <a:rPr lang="en-US" smtClean="0"/>
+              <a:rPr lang="en-US"/>
               <a:t>Click to edit Master text styles</a:t>
             </a:r>
           </a:p>
@@ -1456,7 +1456,7 @@
           <a:p>
             <a:fld id="{4509A250-FF31-4206-8172-F9D3106AACB1}" type="datetimeFigureOut">
               <a:rPr lang="en-US" dirty="0"/>
-              <a:t>6/16/2018</a:t>
+              <a:t>6/19/2018</a:t>
             </a:fld>
             <a:endParaRPr lang="en-US" dirty="0"/>
           </a:p>
@@ -1549,7 +1549,7 @@
           </a:lstStyle>
           <a:p>
             <a:r>
-              <a:rPr lang="en-US" smtClean="0"/>
+              <a:rPr lang="en-US"/>
               <a:t>Click to edit Master title style</a:t>
             </a:r>
             <a:endParaRPr lang="en-US" dirty="0"/>
@@ -1624,7 +1624,7 @@
           <a:p>
             <a:pPr lvl="0"/>
             <a:r>
-              <a:rPr lang="en-US" smtClean="0"/>
+              <a:rPr lang="en-US"/>
               <a:t>Click to edit Master text styles</a:t>
             </a:r>
           </a:p>
@@ -1691,7 +1691,7 @@
           <a:p>
             <a:pPr lvl="0"/>
             <a:r>
-              <a:rPr lang="en-US" smtClean="0"/>
+              <a:rPr lang="en-US"/>
               <a:t>Click to edit Master text styles</a:t>
             </a:r>
           </a:p>
@@ -1765,7 +1765,7 @@
           <a:p>
             <a:pPr lvl="0"/>
             <a:r>
-              <a:rPr lang="en-US" smtClean="0"/>
+              <a:rPr lang="en-US"/>
               <a:t>Click to edit Master text styles</a:t>
             </a:r>
           </a:p>
@@ -1832,7 +1832,7 @@
           <a:p>
             <a:pPr lvl="0"/>
             <a:r>
-              <a:rPr lang="en-US" smtClean="0"/>
+              <a:rPr lang="en-US"/>
               <a:t>Click to edit Master text styles</a:t>
             </a:r>
           </a:p>
@@ -1906,7 +1906,7 @@
           <a:p>
             <a:pPr lvl="0"/>
             <a:r>
-              <a:rPr lang="en-US" smtClean="0"/>
+              <a:rPr lang="en-US"/>
               <a:t>Click to edit Master text styles</a:t>
             </a:r>
           </a:p>
@@ -1973,7 +1973,7 @@
           <a:p>
             <a:pPr lvl="0"/>
             <a:r>
-              <a:rPr lang="en-US" smtClean="0"/>
+              <a:rPr lang="en-US"/>
               <a:t>Click to edit Master text styles</a:t>
             </a:r>
           </a:p>
@@ -2074,7 +2074,7 @@
           <a:p>
             <a:fld id="{4509A250-FF31-4206-8172-F9D3106AACB1}" type="datetimeFigureOut">
               <a:rPr lang="en-US" dirty="0"/>
-              <a:t>6/16/2018</a:t>
+              <a:t>6/19/2018</a:t>
             </a:fld>
             <a:endParaRPr lang="en-US" dirty="0"/>
           </a:p>
@@ -2167,7 +2167,7 @@
           </a:lstStyle>
           <a:p>
             <a:r>
-              <a:rPr lang="en-US" smtClean="0"/>
+              <a:rPr lang="en-US"/>
               <a:t>Click to edit Master title style</a:t>
             </a:r>
             <a:endParaRPr lang="en-US" dirty="0"/>
@@ -2242,7 +2242,7 @@
           <a:p>
             <a:pPr lvl="0"/>
             <a:r>
-              <a:rPr lang="en-US" smtClean="0"/>
+              <a:rPr lang="en-US"/>
               <a:t>Click to edit Master text styles</a:t>
             </a:r>
           </a:p>
@@ -2320,7 +2320,7 @@
           </a:lstStyle>
           <a:p>
             <a:r>
-              <a:rPr lang="en-US" smtClean="0"/>
+              <a:rPr lang="en-US"/>
               <a:t>Click icon to add picture</a:t>
             </a:r>
             <a:endParaRPr lang="en-US" dirty="0"/>
@@ -2388,7 +2388,7 @@
           <a:p>
             <a:pPr lvl="0"/>
             <a:r>
-              <a:rPr lang="en-US" smtClean="0"/>
+              <a:rPr lang="en-US"/>
               <a:t>Click to edit Master text styles</a:t>
             </a:r>
           </a:p>
@@ -2462,7 +2462,7 @@
           <a:p>
             <a:pPr lvl="0"/>
             <a:r>
-              <a:rPr lang="en-US" smtClean="0"/>
+              <a:rPr lang="en-US"/>
               <a:t>Click to edit Master text styles</a:t>
             </a:r>
           </a:p>
@@ -2540,7 +2540,7 @@
           </a:lstStyle>
           <a:p>
             <a:r>
-              <a:rPr lang="en-US" smtClean="0"/>
+              <a:rPr lang="en-US"/>
               <a:t>Click icon to add picture</a:t>
             </a:r>
             <a:endParaRPr lang="en-US" dirty="0"/>
@@ -2608,7 +2608,7 @@
           <a:p>
             <a:pPr lvl="0"/>
             <a:r>
-              <a:rPr lang="en-US" smtClean="0"/>
+              <a:rPr lang="en-US"/>
               <a:t>Click to edit Master text styles</a:t>
             </a:r>
           </a:p>
@@ -2682,7 +2682,7 @@
           <a:p>
             <a:pPr lvl="0"/>
             <a:r>
-              <a:rPr lang="en-US" smtClean="0"/>
+              <a:rPr lang="en-US"/>
               <a:t>Click to edit Master text styles</a:t>
             </a:r>
           </a:p>
@@ -2760,7 +2760,7 @@
           </a:lstStyle>
           <a:p>
             <a:r>
-              <a:rPr lang="en-US" smtClean="0"/>
+              <a:rPr lang="en-US"/>
               <a:t>Click icon to add picture</a:t>
             </a:r>
             <a:endParaRPr lang="en-US" dirty="0"/>
@@ -2828,7 +2828,7 @@
           <a:p>
             <a:pPr lvl="0"/>
             <a:r>
-              <a:rPr lang="en-US" smtClean="0"/>
+              <a:rPr lang="en-US"/>
               <a:t>Click to edit Master text styles</a:t>
             </a:r>
           </a:p>
@@ -2929,7 +2929,7 @@
           <a:p>
             <a:fld id="{4509A250-FF31-4206-8172-F9D3106AACB1}" type="datetimeFigureOut">
               <a:rPr lang="en-US" dirty="0"/>
-              <a:t>6/16/2018</a:t>
+              <a:t>6/19/2018</a:t>
             </a:fld>
             <a:endParaRPr lang="en-US" dirty="0"/>
           </a:p>
@@ -3018,7 +3018,7 @@
           <a:lstStyle/>
           <a:p>
             <a:r>
-              <a:rPr lang="en-US" smtClean="0"/>
+              <a:rPr lang="en-US"/>
               <a:t>Click to edit Master title style</a:t>
             </a:r>
             <a:endParaRPr lang="en-US" dirty="0"/>
@@ -3042,35 +3042,35 @@
           <a:p>
             <a:pPr lvl="0"/>
             <a:r>
-              <a:rPr lang="en-US" smtClean="0"/>
+              <a:rPr lang="en-US"/>
               <a:t>Click to edit Master text styles</a:t>
             </a:r>
           </a:p>
           <a:p>
             <a:pPr lvl="1"/>
             <a:r>
-              <a:rPr lang="en-US" smtClean="0"/>
+              <a:rPr lang="en-US"/>
               <a:t>Second level</a:t>
             </a:r>
           </a:p>
           <a:p>
             <a:pPr lvl="2"/>
             <a:r>
-              <a:rPr lang="en-US" smtClean="0"/>
+              <a:rPr lang="en-US"/>
               <a:t>Third level</a:t>
             </a:r>
           </a:p>
           <a:p>
             <a:pPr lvl="3"/>
             <a:r>
-              <a:rPr lang="en-US" smtClean="0"/>
+              <a:rPr lang="en-US"/>
               <a:t>Fourth level</a:t>
             </a:r>
           </a:p>
           <a:p>
             <a:pPr lvl="4"/>
             <a:r>
-              <a:rPr lang="en-US" smtClean="0"/>
+              <a:rPr lang="en-US"/>
               <a:t>Fifth level</a:t>
             </a:r>
             <a:endParaRPr lang="en-US" dirty="0"/>
@@ -3094,7 +3094,7 @@
           <a:p>
             <a:fld id="{4509A250-FF31-4206-8172-F9D3106AACB1}" type="datetimeFigureOut">
               <a:rPr lang="en-US" dirty="0"/>
-              <a:t>6/16/2018</a:t>
+              <a:t>6/19/2018</a:t>
             </a:fld>
             <a:endParaRPr lang="en-US" dirty="0"/>
           </a:p>
@@ -3188,7 +3188,7 @@
           <a:lstStyle/>
           <a:p>
             <a:r>
-              <a:rPr lang="en-US" smtClean="0"/>
+              <a:rPr lang="en-US"/>
               <a:t>Click to edit Master title style</a:t>
             </a:r>
             <a:endParaRPr lang="en-US" dirty="0"/>
@@ -3217,35 +3217,35 @@
           <a:p>
             <a:pPr lvl="0"/>
             <a:r>
-              <a:rPr lang="en-US" smtClean="0"/>
+              <a:rPr lang="en-US"/>
               <a:t>Click to edit Master text styles</a:t>
             </a:r>
           </a:p>
           <a:p>
             <a:pPr lvl="1"/>
             <a:r>
-              <a:rPr lang="en-US" smtClean="0"/>
+              <a:rPr lang="en-US"/>
               <a:t>Second level</a:t>
             </a:r>
           </a:p>
           <a:p>
             <a:pPr lvl="2"/>
             <a:r>
-              <a:rPr lang="en-US" smtClean="0"/>
+              <a:rPr lang="en-US"/>
               <a:t>Third level</a:t>
             </a:r>
           </a:p>
           <a:p>
             <a:pPr lvl="3"/>
             <a:r>
-              <a:rPr lang="en-US" smtClean="0"/>
+              <a:rPr lang="en-US"/>
               <a:t>Fourth level</a:t>
             </a:r>
           </a:p>
           <a:p>
             <a:pPr lvl="4"/>
             <a:r>
-              <a:rPr lang="en-US" smtClean="0"/>
+              <a:rPr lang="en-US"/>
               <a:t>Fifth level</a:t>
             </a:r>
             <a:endParaRPr lang="en-US" dirty="0"/>
@@ -3269,7 +3269,7 @@
           <a:p>
             <a:fld id="{4509A250-FF31-4206-8172-F9D3106AACB1}" type="datetimeFigureOut">
               <a:rPr lang="en-US" dirty="0"/>
-              <a:t>6/16/2018</a:t>
+              <a:t>6/19/2018</a:t>
             </a:fld>
             <a:endParaRPr lang="en-US" dirty="0"/>
           </a:p>
@@ -3358,7 +3358,7 @@
           <a:lstStyle/>
           <a:p>
             <a:r>
-              <a:rPr lang="en-US" smtClean="0"/>
+              <a:rPr lang="en-US"/>
               <a:t>Click to edit Master title style</a:t>
             </a:r>
             <a:endParaRPr lang="en-US" dirty="0"/>
@@ -3382,35 +3382,35 @@
           <a:p>
             <a:pPr lvl="0"/>
             <a:r>
-              <a:rPr lang="en-US" smtClean="0"/>
+              <a:rPr lang="en-US"/>
               <a:t>Click to edit Master text styles</a:t>
             </a:r>
           </a:p>
           <a:p>
             <a:pPr lvl="1"/>
             <a:r>
-              <a:rPr lang="en-US" smtClean="0"/>
+              <a:rPr lang="en-US"/>
               <a:t>Second level</a:t>
             </a:r>
           </a:p>
           <a:p>
             <a:pPr lvl="2"/>
             <a:r>
-              <a:rPr lang="en-US" smtClean="0"/>
+              <a:rPr lang="en-US"/>
               <a:t>Third level</a:t>
             </a:r>
           </a:p>
           <a:p>
             <a:pPr lvl="3"/>
             <a:r>
-              <a:rPr lang="en-US" smtClean="0"/>
+              <a:rPr lang="en-US"/>
               <a:t>Fourth level</a:t>
             </a:r>
           </a:p>
           <a:p>
             <a:pPr lvl="4"/>
             <a:r>
-              <a:rPr lang="en-US" smtClean="0"/>
+              <a:rPr lang="en-US"/>
               <a:t>Fifth level</a:t>
             </a:r>
             <a:endParaRPr lang="en-US" dirty="0"/>
@@ -3434,7 +3434,7 @@
           <a:p>
             <a:fld id="{4509A250-FF31-4206-8172-F9D3106AACB1}" type="datetimeFigureOut">
               <a:rPr lang="en-US" dirty="0"/>
-              <a:t>6/16/2018</a:t>
+              <a:t>6/19/2018</a:t>
             </a:fld>
             <a:endParaRPr lang="en-US" dirty="0"/>
           </a:p>
@@ -3532,7 +3532,7 @@
           </a:lstStyle>
           <a:p>
             <a:r>
-              <a:rPr lang="en-US" smtClean="0"/>
+              <a:rPr lang="en-US"/>
               <a:t>Click to edit Master title style</a:t>
             </a:r>
             <a:endParaRPr lang="en-US" dirty="0"/>
@@ -3653,7 +3653,7 @@
           <a:p>
             <a:pPr lvl="0"/>
             <a:r>
-              <a:rPr lang="en-US" smtClean="0"/>
+              <a:rPr lang="en-US"/>
               <a:t>Click to edit Master text styles</a:t>
             </a:r>
           </a:p>
@@ -3676,7 +3676,7 @@
           <a:p>
             <a:fld id="{9796027F-7875-4030-9381-8BD8C4F21935}" type="datetimeFigureOut">
               <a:rPr lang="en-US" dirty="0"/>
-              <a:t>6/16/2018</a:t>
+              <a:t>6/19/2018</a:t>
             </a:fld>
             <a:endParaRPr lang="en-US" dirty="0"/>
           </a:p>
@@ -3765,7 +3765,7 @@
           <a:lstStyle/>
           <a:p>
             <a:r>
-              <a:rPr lang="en-US" smtClean="0"/>
+              <a:rPr lang="en-US"/>
               <a:t>Click to edit Master title style</a:t>
             </a:r>
             <a:endParaRPr lang="en-US" dirty="0"/>
@@ -3824,35 +3824,35 @@
           <a:p>
             <a:pPr lvl="0"/>
             <a:r>
-              <a:rPr lang="en-US" smtClean="0"/>
+              <a:rPr lang="en-US"/>
               <a:t>Click to edit Master text styles</a:t>
             </a:r>
           </a:p>
           <a:p>
             <a:pPr lvl="1"/>
             <a:r>
-              <a:rPr lang="en-US" smtClean="0"/>
+              <a:rPr lang="en-US"/>
               <a:t>Second level</a:t>
             </a:r>
           </a:p>
           <a:p>
             <a:pPr lvl="2"/>
             <a:r>
-              <a:rPr lang="en-US" smtClean="0"/>
+              <a:rPr lang="en-US"/>
               <a:t>Third level</a:t>
             </a:r>
           </a:p>
           <a:p>
             <a:pPr lvl="3"/>
             <a:r>
-              <a:rPr lang="en-US" smtClean="0"/>
+              <a:rPr lang="en-US"/>
               <a:t>Fourth level</a:t>
             </a:r>
           </a:p>
           <a:p>
             <a:pPr lvl="4"/>
             <a:r>
-              <a:rPr lang="en-US" smtClean="0"/>
+              <a:rPr lang="en-US"/>
               <a:t>Fifth level</a:t>
             </a:r>
             <a:endParaRPr lang="en-US" dirty="0"/>
@@ -3911,35 +3911,35 @@
           <a:p>
             <a:pPr lvl="0"/>
             <a:r>
-              <a:rPr lang="en-US" smtClean="0"/>
+              <a:rPr lang="en-US"/>
               <a:t>Click to edit Master text styles</a:t>
             </a:r>
           </a:p>
           <a:p>
             <a:pPr lvl="1"/>
             <a:r>
-              <a:rPr lang="en-US" smtClean="0"/>
+              <a:rPr lang="en-US"/>
               <a:t>Second level</a:t>
             </a:r>
           </a:p>
           <a:p>
             <a:pPr lvl="2"/>
             <a:r>
-              <a:rPr lang="en-US" smtClean="0"/>
+              <a:rPr lang="en-US"/>
               <a:t>Third level</a:t>
             </a:r>
           </a:p>
           <a:p>
             <a:pPr lvl="3"/>
             <a:r>
-              <a:rPr lang="en-US" smtClean="0"/>
+              <a:rPr lang="en-US"/>
               <a:t>Fourth level</a:t>
             </a:r>
           </a:p>
           <a:p>
             <a:pPr lvl="4"/>
             <a:r>
-              <a:rPr lang="en-US" smtClean="0"/>
+              <a:rPr lang="en-US"/>
               <a:t>Fifth level</a:t>
             </a:r>
             <a:endParaRPr lang="en-US" dirty="0"/>
@@ -3963,7 +3963,7 @@
           <a:p>
             <a:fld id="{9796027F-7875-4030-9381-8BD8C4F21935}" type="datetimeFigureOut">
               <a:rPr lang="en-US" dirty="0"/>
-              <a:t>6/16/2018</a:t>
+              <a:t>6/19/2018</a:t>
             </a:fld>
             <a:endParaRPr lang="en-US" dirty="0"/>
           </a:p>
@@ -4056,7 +4056,7 @@
           </a:lstStyle>
           <a:p>
             <a:r>
-              <a:rPr lang="en-US" smtClean="0"/>
+              <a:rPr lang="en-US"/>
               <a:t>Click to edit Master title style</a:t>
             </a:r>
             <a:endParaRPr lang="en-US" dirty="0"/>
@@ -4131,7 +4131,7 @@
           <a:p>
             <a:pPr lvl="0"/>
             <a:r>
-              <a:rPr lang="en-US" smtClean="0"/>
+              <a:rPr lang="en-US"/>
               <a:t>Click to edit Master text styles</a:t>
             </a:r>
           </a:p>
@@ -4189,35 +4189,35 @@
           <a:p>
             <a:pPr lvl="0"/>
             <a:r>
-              <a:rPr lang="en-US" smtClean="0"/>
+              <a:rPr lang="en-US"/>
               <a:t>Click to edit Master text styles</a:t>
             </a:r>
           </a:p>
           <a:p>
             <a:pPr lvl="1"/>
             <a:r>
-              <a:rPr lang="en-US" smtClean="0"/>
+              <a:rPr lang="en-US"/>
               <a:t>Second level</a:t>
             </a:r>
           </a:p>
           <a:p>
             <a:pPr lvl="2"/>
             <a:r>
-              <a:rPr lang="en-US" smtClean="0"/>
+              <a:rPr lang="en-US"/>
               <a:t>Third level</a:t>
             </a:r>
           </a:p>
           <a:p>
             <a:pPr lvl="3"/>
             <a:r>
-              <a:rPr lang="en-US" smtClean="0"/>
+              <a:rPr lang="en-US"/>
               <a:t>Fourth level</a:t>
             </a:r>
           </a:p>
           <a:p>
             <a:pPr lvl="4"/>
             <a:r>
-              <a:rPr lang="en-US" smtClean="0"/>
+              <a:rPr lang="en-US"/>
               <a:t>Fifth level</a:t>
             </a:r>
             <a:endParaRPr lang="en-US" dirty="0"/>
@@ -4292,7 +4292,7 @@
           <a:p>
             <a:pPr lvl="0"/>
             <a:r>
-              <a:rPr lang="en-US" smtClean="0"/>
+              <a:rPr lang="en-US"/>
               <a:t>Click to edit Master text styles</a:t>
             </a:r>
           </a:p>
@@ -4350,35 +4350,35 @@
           <a:p>
             <a:pPr lvl="0"/>
             <a:r>
-              <a:rPr lang="en-US" smtClean="0"/>
+              <a:rPr lang="en-US"/>
               <a:t>Click to edit Master text styles</a:t>
             </a:r>
           </a:p>
           <a:p>
             <a:pPr lvl="1"/>
             <a:r>
-              <a:rPr lang="en-US" smtClean="0"/>
+              <a:rPr lang="en-US"/>
               <a:t>Second level</a:t>
             </a:r>
           </a:p>
           <a:p>
             <a:pPr lvl="2"/>
             <a:r>
-              <a:rPr lang="en-US" smtClean="0"/>
+              <a:rPr lang="en-US"/>
               <a:t>Third level</a:t>
             </a:r>
           </a:p>
           <a:p>
             <a:pPr lvl="3"/>
             <a:r>
-              <a:rPr lang="en-US" smtClean="0"/>
+              <a:rPr lang="en-US"/>
               <a:t>Fourth level</a:t>
             </a:r>
           </a:p>
           <a:p>
             <a:pPr lvl="4"/>
             <a:r>
-              <a:rPr lang="en-US" smtClean="0"/>
+              <a:rPr lang="en-US"/>
               <a:t>Fifth level</a:t>
             </a:r>
             <a:endParaRPr lang="en-US" dirty="0"/>
@@ -4402,7 +4402,7 @@
           <a:p>
             <a:fld id="{9796027F-7875-4030-9381-8BD8C4F21935}" type="datetimeFigureOut">
               <a:rPr lang="en-US" dirty="0"/>
-              <a:t>6/16/2018</a:t>
+              <a:t>6/19/2018</a:t>
             </a:fld>
             <a:endParaRPr lang="en-US" dirty="0"/>
           </a:p>
@@ -4491,7 +4491,7 @@
           <a:lstStyle/>
           <a:p>
             <a:r>
-              <a:rPr lang="en-US" smtClean="0"/>
+              <a:rPr lang="en-US"/>
               <a:t>Click to edit Master title style</a:t>
             </a:r>
             <a:endParaRPr lang="en-US" dirty="0"/>
@@ -4515,7 +4515,7 @@
           <a:p>
             <a:fld id="{4509A250-FF31-4206-8172-F9D3106AACB1}" type="datetimeFigureOut">
               <a:rPr lang="en-US" dirty="0"/>
-              <a:t>6/16/2018</a:t>
+              <a:t>6/19/2018</a:t>
             </a:fld>
             <a:endParaRPr lang="en-US" dirty="0"/>
           </a:p>
@@ -4605,7 +4605,7 @@
           <a:p>
             <a:fld id="{4509A250-FF31-4206-8172-F9D3106AACB1}" type="datetimeFigureOut">
               <a:rPr lang="en-US" dirty="0"/>
-              <a:t>6/16/2018</a:t>
+              <a:t>6/19/2018</a:t>
             </a:fld>
             <a:endParaRPr lang="en-US" dirty="0"/>
           </a:p>
@@ -4703,7 +4703,7 @@
           </a:lstStyle>
           <a:p>
             <a:r>
-              <a:rPr lang="en-US" smtClean="0"/>
+              <a:rPr lang="en-US"/>
               <a:t>Click to edit Master title style</a:t>
             </a:r>
             <a:endParaRPr lang="en-US" dirty="0"/>
@@ -4762,35 +4762,35 @@
           <a:p>
             <a:pPr lvl="0"/>
             <a:r>
-              <a:rPr lang="en-US" smtClean="0"/>
+              <a:rPr lang="en-US"/>
               <a:t>Click to edit Master text styles</a:t>
             </a:r>
           </a:p>
           <a:p>
             <a:pPr lvl="1"/>
             <a:r>
-              <a:rPr lang="en-US" smtClean="0"/>
+              <a:rPr lang="en-US"/>
               <a:t>Second level</a:t>
             </a:r>
           </a:p>
           <a:p>
             <a:pPr lvl="2"/>
             <a:r>
-              <a:rPr lang="en-US" smtClean="0"/>
+              <a:rPr lang="en-US"/>
               <a:t>Third level</a:t>
             </a:r>
           </a:p>
           <a:p>
             <a:pPr lvl="3"/>
             <a:r>
-              <a:rPr lang="en-US" smtClean="0"/>
+              <a:rPr lang="en-US"/>
               <a:t>Fourth level</a:t>
             </a:r>
           </a:p>
           <a:p>
             <a:pPr lvl="4"/>
             <a:r>
-              <a:rPr lang="en-US" smtClean="0"/>
+              <a:rPr lang="en-US"/>
               <a:t>Fifth level</a:t>
             </a:r>
             <a:endParaRPr lang="en-US" dirty="0"/>
@@ -4856,7 +4856,7 @@
           <a:p>
             <a:pPr lvl="0"/>
             <a:r>
-              <a:rPr lang="en-US" smtClean="0"/>
+              <a:rPr lang="en-US"/>
               <a:t>Click to edit Master text styles</a:t>
             </a:r>
           </a:p>
@@ -4879,7 +4879,7 @@
           <a:p>
             <a:fld id="{4509A250-FF31-4206-8172-F9D3106AACB1}" type="datetimeFigureOut">
               <a:rPr lang="en-US" dirty="0"/>
-              <a:t>6/16/2018</a:t>
+              <a:t>6/19/2018</a:t>
             </a:fld>
             <a:endParaRPr lang="en-US" dirty="0"/>
           </a:p>
@@ -4979,7 +4979,7 @@
           </a:lstStyle>
           <a:p>
             <a:r>
-              <a:rPr lang="en-US" smtClean="0"/>
+              <a:rPr lang="en-US"/>
               <a:t>Click to edit Master title style</a:t>
             </a:r>
             <a:endParaRPr lang="en-US" dirty="0"/>
@@ -5058,7 +5058,7 @@
           </a:lstStyle>
           <a:p>
             <a:r>
-              <a:rPr lang="en-US" smtClean="0"/>
+              <a:rPr lang="en-US"/>
               <a:t>Click icon to add picture</a:t>
             </a:r>
             <a:endParaRPr lang="en-US" dirty="0"/>
@@ -5126,7 +5126,7 @@
           <a:p>
             <a:pPr lvl="0"/>
             <a:r>
-              <a:rPr lang="en-US" smtClean="0"/>
+              <a:rPr lang="en-US"/>
               <a:t>Click to edit Master text styles</a:t>
             </a:r>
           </a:p>
@@ -5149,7 +5149,7 @@
           <a:p>
             <a:fld id="{4509A250-FF31-4206-8172-F9D3106AACB1}" type="datetimeFigureOut">
               <a:rPr lang="en-US" dirty="0"/>
-              <a:t>6/16/2018</a:t>
+              <a:t>6/19/2018</a:t>
             </a:fld>
             <a:endParaRPr lang="en-US" dirty="0"/>
           </a:p>
@@ -5468,7 +5468,7 @@
           <a:lstStyle/>
           <a:p>
             <a:r>
-              <a:rPr lang="en-US" smtClean="0"/>
+              <a:rPr lang="en-US"/>
               <a:t>Click to edit Master title style</a:t>
             </a:r>
             <a:endParaRPr lang="en-US" dirty="0"/>
@@ -5502,35 +5502,35 @@
           <a:p>
             <a:pPr lvl="0"/>
             <a:r>
-              <a:rPr lang="en-US" smtClean="0"/>
+              <a:rPr lang="en-US"/>
               <a:t>Click to edit Master text styles</a:t>
             </a:r>
           </a:p>
           <a:p>
             <a:pPr lvl="1"/>
             <a:r>
-              <a:rPr lang="en-US" smtClean="0"/>
+              <a:rPr lang="en-US"/>
               <a:t>Second level</a:t>
             </a:r>
           </a:p>
           <a:p>
             <a:pPr lvl="2"/>
             <a:r>
-              <a:rPr lang="en-US" smtClean="0"/>
+              <a:rPr lang="en-US"/>
               <a:t>Third level</a:t>
             </a:r>
           </a:p>
           <a:p>
             <a:pPr lvl="3"/>
             <a:r>
-              <a:rPr lang="en-US" smtClean="0"/>
+              <a:rPr lang="en-US"/>
               <a:t>Fourth level</a:t>
             </a:r>
           </a:p>
           <a:p>
             <a:pPr lvl="4"/>
             <a:r>
-              <a:rPr lang="en-US" smtClean="0"/>
+              <a:rPr lang="en-US"/>
               <a:t>Fifth level</a:t>
             </a:r>
             <a:endParaRPr lang="en-US" dirty="0"/>
@@ -5573,7 +5573,7 @@
           <a:p>
             <a:fld id="{4AAD347D-5ACD-4C99-B74B-A9C85AD731AF}" type="datetimeFigureOut">
               <a:rPr lang="en-US" dirty="0"/>
-              <a:t>6/16/2018</a:t>
+              <a:t>6/19/2018</a:t>
             </a:fld>
             <a:endParaRPr lang="en-US" dirty="0"/>
           </a:p>
@@ -6113,11 +6113,11 @@
           <a:lstStyle/>
           <a:p>
             <a:r>
-              <a:rPr lang="en-GB" dirty="0" smtClean="0"/>
+              <a:rPr lang="en-GB" dirty="0"/>
               <a:t>Learning Python 3</a:t>
             </a:r>
             <a:br>
-              <a:rPr lang="en-GB" dirty="0" smtClean="0"/>
+              <a:rPr lang="en-GB" dirty="0"/>
             </a:br>
             <a:endParaRPr lang="en-GB" dirty="0"/>
           </a:p>
@@ -6139,10 +6139,9 @@
           <a:lstStyle/>
           <a:p>
             <a:r>
-              <a:rPr lang="en-GB" dirty="0" smtClean="0"/>
+              <a:rPr lang="en-GB" dirty="0"/>
               <a:t>Week 5: Modules, Dictionaries, Randomness and Files</a:t>
             </a:r>
-            <a:endParaRPr lang="en-GB" dirty="0"/>
           </a:p>
         </p:txBody>
       </p:sp>
@@ -6156,13 +6155,6 @@
   <p:clrMapOvr>
     <a:masterClrMapping/>
   </p:clrMapOvr>
-  <p:timing>
-    <p:tnLst>
-      <p:par>
-        <p:cTn id="1" dur="indefinite" restart="never" nodeType="tmRoot"/>
-      </p:par>
-    </p:tnLst>
-  </p:timing>
 </p:sld>
 </file>
 
@@ -6199,10 +6191,9 @@
           <a:lstStyle/>
           <a:p>
             <a:r>
-              <a:rPr lang="en-GB" dirty="0" smtClean="0"/>
+              <a:rPr lang="en-GB" dirty="0"/>
               <a:t>Dictionaries.</a:t>
             </a:r>
-            <a:endParaRPr lang="en-GB" dirty="0"/>
           </a:p>
         </p:txBody>
       </p:sp>
@@ -6227,18 +6218,18 @@
           <a:lstStyle/>
           <a:p>
             <a:r>
-              <a:rPr lang="en-GB" u="sng" dirty="0" smtClean="0"/>
+              <a:rPr lang="en-GB" u="sng" dirty="0"/>
               <a:t>Dictionaries</a:t>
             </a:r>
             <a:r>
-              <a:rPr lang="en-GB" dirty="0" smtClean="0"/>
+              <a:rPr lang="en-GB" dirty="0"/>
               <a:t> are a type of thing in Python.</a:t>
             </a:r>
           </a:p>
           <a:p>
             <a:pPr lvl="1"/>
             <a:r>
-              <a:rPr lang="en-GB" dirty="0" smtClean="0"/>
+              <a:rPr lang="en-GB" dirty="0"/>
               <a:t>Other types we have seen so far are Integers, Strings and Lists.</a:t>
             </a:r>
           </a:p>
@@ -6247,23 +6238,23 @@
           </a:p>
           <a:p>
             <a:r>
-              <a:rPr lang="en-GB" u="sng" dirty="0" smtClean="0"/>
+              <a:rPr lang="en-GB" u="sng" dirty="0"/>
               <a:t>Dictionaries</a:t>
             </a:r>
             <a:r>
-              <a:rPr lang="en-GB" dirty="0" smtClean="0"/>
+              <a:rPr lang="en-GB" dirty="0"/>
               <a:t> in Python have a </a:t>
             </a:r>
             <a:r>
-              <a:rPr lang="en-GB" u="sng" dirty="0" smtClean="0"/>
+              <a:rPr lang="en-GB" u="sng" dirty="0"/>
               <a:t>key</a:t>
             </a:r>
             <a:r>
-              <a:rPr lang="en-GB" dirty="0" smtClean="0"/>
+              <a:rPr lang="en-GB" dirty="0"/>
               <a:t> and a </a:t>
             </a:r>
             <a:r>
-              <a:rPr lang="en-GB" u="sng" dirty="0" smtClean="0"/>
+              <a:rPr lang="en-GB" u="sng" dirty="0"/>
               <a:t>value</a:t>
             </a:r>
           </a:p>
@@ -6272,23 +6263,23 @@
           </a:p>
           <a:p>
             <a:r>
-              <a:rPr lang="en-GB" dirty="0" smtClean="0"/>
+              <a:rPr lang="en-GB" dirty="0"/>
               <a:t>Think of the </a:t>
             </a:r>
             <a:r>
-              <a:rPr lang="en-GB" u="sng" dirty="0" smtClean="0"/>
+              <a:rPr lang="en-GB" u="sng" dirty="0"/>
               <a:t>key</a:t>
             </a:r>
             <a:r>
-              <a:rPr lang="en-GB" dirty="0" smtClean="0"/>
+              <a:rPr lang="en-GB" dirty="0"/>
               <a:t> like a word in the dictionary, and the </a:t>
             </a:r>
             <a:r>
-              <a:rPr lang="en-GB" u="sng" dirty="0" smtClean="0"/>
+              <a:rPr lang="en-GB" u="sng" dirty="0"/>
               <a:t>value</a:t>
             </a:r>
             <a:r>
-              <a:rPr lang="en-GB" dirty="0" smtClean="0"/>
+              <a:rPr lang="en-GB" dirty="0"/>
               <a:t> like the definition.</a:t>
             </a:r>
           </a:p>
@@ -6297,13 +6288,13 @@
           </a:p>
           <a:p>
             <a:r>
-              <a:rPr lang="en-GB" dirty="0" smtClean="0"/>
+              <a:rPr lang="en-GB" dirty="0"/>
               <a:t>Keys can be strings and integers (and other types).</a:t>
             </a:r>
           </a:p>
           <a:p>
             <a:r>
-              <a:rPr lang="en-GB" dirty="0" smtClean="0"/>
+              <a:rPr lang="en-GB" dirty="0"/>
               <a:t>Values can be any type.</a:t>
             </a:r>
           </a:p>
@@ -6396,10 +6387,9 @@
           <a:lstStyle/>
           <a:p>
             <a:r>
-              <a:rPr lang="en-GB" dirty="0" smtClean="0"/>
+              <a:rPr lang="en-GB" dirty="0"/>
               <a:t>Defining and accessing a dictionary.</a:t>
             </a:r>
-            <a:endParaRPr lang="en-GB" dirty="0"/>
           </a:p>
         </p:txBody>
       </p:sp>
@@ -6424,13 +6414,13 @@
           <a:lstStyle/>
           <a:p>
             <a:r>
-              <a:rPr lang="en-GB" dirty="0" smtClean="0"/>
+              <a:rPr lang="en-GB" dirty="0"/>
               <a:t>Just like we can use [] for an empty list.</a:t>
             </a:r>
           </a:p>
           <a:p>
             <a:r>
-              <a:rPr lang="en-GB" dirty="0" smtClean="0"/>
+              <a:rPr lang="en-GB" dirty="0"/>
               <a:t>We can use {} for an empty dictionary.</a:t>
             </a:r>
           </a:p>
@@ -6439,14 +6429,14 @@
           </a:p>
           <a:p>
             <a:r>
-              <a:rPr lang="en-GB" dirty="0" smtClean="0"/>
+              <a:rPr lang="en-GB" dirty="0"/>
               <a:t>To store something in a dictionary, we do</a:t>
             </a:r>
           </a:p>
           <a:p>
             <a:pPr lvl="1"/>
             <a:r>
-              <a:rPr lang="en-GB" dirty="0" err="1" smtClean="0">
+              <a:rPr lang="en-GB" dirty="0" err="1">
                 <a:latin typeface="Courier New" panose="02070309020205020404" pitchFamily="49" charset="0"/>
                 <a:cs typeface="Courier New" panose="02070309020205020404" pitchFamily="49" charset="0"/>
               </a:rPr>
@@ -6457,31 +6447,24 @@
                 <a:latin typeface="Courier New" panose="02070309020205020404" pitchFamily="49" charset="0"/>
                 <a:cs typeface="Courier New" panose="02070309020205020404" pitchFamily="49" charset="0"/>
               </a:rPr>
-              <a:t>[</a:t>
-            </a:r>
-            <a:r>
-              <a:rPr lang="en-GB" dirty="0" smtClean="0">
-                <a:latin typeface="Courier New" panose="02070309020205020404" pitchFamily="49" charset="0"/>
-                <a:cs typeface="Courier New" panose="02070309020205020404" pitchFamily="49" charset="0"/>
-              </a:rPr>
-              <a:t>"</a:t>
-            </a:r>
-            <a:r>
-              <a:rPr lang="en-GB" u="sng" dirty="0" smtClean="0">
+              <a:t>["</a:t>
+            </a:r>
+            <a:r>
+              <a:rPr lang="en-GB" u="sng" dirty="0">
                 <a:latin typeface="Courier New" panose="02070309020205020404" pitchFamily="49" charset="0"/>
                 <a:cs typeface="Courier New" panose="02070309020205020404" pitchFamily="49" charset="0"/>
               </a:rPr>
               <a:t>key"]</a:t>
             </a:r>
             <a:r>
-              <a:rPr lang="en-GB" dirty="0" smtClean="0">
+              <a:rPr lang="en-GB" dirty="0">
                 <a:latin typeface="Courier New" panose="02070309020205020404" pitchFamily="49" charset="0"/>
                 <a:cs typeface="Courier New" panose="02070309020205020404" pitchFamily="49" charset="0"/>
               </a:rPr>
               <a:t> = </a:t>
             </a:r>
             <a:r>
-              <a:rPr lang="en-GB" u="sng" dirty="0" smtClean="0">
+              <a:rPr lang="en-GB" u="sng" dirty="0">
                 <a:latin typeface="Courier New" panose="02070309020205020404" pitchFamily="49" charset="0"/>
                 <a:cs typeface="Courier New" panose="02070309020205020404" pitchFamily="49" charset="0"/>
               </a:rPr>
@@ -6494,14 +6477,14 @@
           </a:p>
           <a:p>
             <a:r>
-              <a:rPr lang="en-GB" dirty="0" smtClean="0"/>
+              <a:rPr lang="en-GB" dirty="0"/>
               <a:t>To access the value of a key, we do</a:t>
             </a:r>
           </a:p>
           <a:p>
             <a:pPr lvl="1"/>
             <a:r>
-              <a:rPr lang="en-GB" dirty="0" err="1" smtClean="0">
+              <a:rPr lang="en-GB" dirty="0" err="1">
                 <a:latin typeface="Courier New" panose="02070309020205020404" pitchFamily="49" charset="0"/>
                 <a:cs typeface="Courier New" panose="02070309020205020404" pitchFamily="49" charset="0"/>
               </a:rPr>
@@ -6512,14 +6495,7 @@
                 <a:latin typeface="Courier New" panose="02070309020205020404" pitchFamily="49" charset="0"/>
                 <a:cs typeface="Courier New" panose="02070309020205020404" pitchFamily="49" charset="0"/>
               </a:rPr>
-              <a:t>[</a:t>
-            </a:r>
-            <a:r>
-              <a:rPr lang="en-GB" dirty="0" smtClean="0">
-                <a:latin typeface="Courier New" panose="02070309020205020404" pitchFamily="49" charset="0"/>
-                <a:cs typeface="Courier New" panose="02070309020205020404" pitchFamily="49" charset="0"/>
-              </a:rPr>
-              <a:t>"key"]</a:t>
+              <a:t>["key"]</a:t>
             </a:r>
           </a:p>
         </p:txBody>
@@ -6570,10 +6546,9 @@
           <a:lstStyle/>
           <a:p>
             <a:r>
-              <a:rPr lang="en-GB" dirty="0" smtClean="0"/>
+              <a:rPr lang="en-GB" dirty="0"/>
               <a:t>Dictionary Examples</a:t>
             </a:r>
-            <a:endParaRPr lang="en-GB" dirty="0"/>
           </a:p>
         </p:txBody>
       </p:sp>
@@ -6600,21 +6575,21 @@
           <a:lstStyle/>
           <a:p>
             <a:r>
-              <a:rPr lang="en-GB" dirty="0" smtClean="0"/>
+              <a:rPr lang="en-GB" dirty="0"/>
               <a:t>Here is an example of using a dictionary.</a:t>
             </a:r>
           </a:p>
           <a:p>
             <a:r>
-              <a:rPr lang="en-GB" dirty="0" smtClean="0"/>
+              <a:rPr lang="en-GB" dirty="0"/>
               <a:t>Again, we will use the list of 21</a:t>
             </a:r>
             <a:r>
-              <a:rPr lang="en-GB" baseline="30000" dirty="0" smtClean="0"/>
+              <a:rPr lang="en-GB" baseline="30000" dirty="0"/>
               <a:t>st</a:t>
             </a:r>
             <a:r>
-              <a:rPr lang="en-GB" dirty="0" smtClean="0"/>
+              <a:rPr lang="en-GB" dirty="0"/>
               <a:t> century prime ministers in our example.</a:t>
             </a:r>
           </a:p>
@@ -6869,7 +6844,7 @@
             </a:lvl9pPr>
           </a:lstStyle>
           <a:p>
-            <a:endParaRPr lang="en-GB" dirty="0" smtClean="0"/>
+            <a:endParaRPr lang="en-GB" dirty="0"/>
           </a:p>
         </p:txBody>
       </p:sp>
@@ -6899,7 +6874,7 @@
                 <a:latin typeface="Courier New" panose="02070309020205020404" pitchFamily="49" charset="0"/>
                 <a:cs typeface="Courier New" panose="02070309020205020404" pitchFamily="49" charset="0"/>
               </a:rPr>
-              <a:t># Week5, Example4</a:t>
+              <a:t># Week5, Program4</a:t>
             </a:r>
           </a:p>
           <a:p>
@@ -7244,7 +7219,7 @@
           </a:lstStyle>
           <a:p>
             <a:r>
-              <a:rPr lang="en-GB" b="1" dirty="0" smtClean="0">
+              <a:rPr lang="en-GB" b="1" dirty="0">
                 <a:solidFill>
                   <a:srgbClr val="FFFF00"/>
                 </a:solidFill>
@@ -7252,7 +7227,7 @@
               <a:t>Task: </a:t>
             </a:r>
             <a:r>
-              <a:rPr lang="en-GB" dirty="0" smtClean="0">
+              <a:rPr lang="en-GB" dirty="0">
                 <a:solidFill>
                   <a:srgbClr val="FFFF00"/>
                 </a:solidFill>
@@ -7262,7 +7237,7 @@
           </a:p>
           <a:p>
             <a:r>
-              <a:rPr lang="en-GB" b="1" dirty="0" smtClean="0">
+              <a:rPr lang="en-GB" b="1" dirty="0">
                 <a:solidFill>
                   <a:srgbClr val="FFFF00"/>
                 </a:solidFill>
@@ -7270,14 +7245,14 @@
               <a:t>Extra Credit: </a:t>
             </a:r>
             <a:r>
-              <a:rPr lang="en-GB" dirty="0" smtClean="0">
+              <a:rPr lang="en-GB" dirty="0">
                 <a:solidFill>
                   <a:srgbClr val="FFFF00"/>
                 </a:solidFill>
               </a:rPr>
               <a:t>Look up the history and find an important event.</a:t>
             </a:r>
-            <a:endParaRPr lang="en-GB" b="1" dirty="0" smtClean="0">
+            <a:endParaRPr lang="en-GB" b="1" dirty="0">
               <a:solidFill>
                 <a:srgbClr val="FFFF00"/>
               </a:solidFill>
@@ -7288,7 +7263,7 @@
               <a:buFont typeface="Wingdings 3" charset="2"/>
               <a:buNone/>
             </a:pPr>
-            <a:endParaRPr lang="en-GB" i="1" dirty="0" smtClean="0"/>
+            <a:endParaRPr lang="en-GB" i="1" dirty="0"/>
           </a:p>
         </p:txBody>
       </p:sp>
@@ -7338,10 +7313,9 @@
           <a:lstStyle/>
           <a:p>
             <a:r>
-              <a:rPr lang="en-GB" dirty="0" smtClean="0"/>
+              <a:rPr lang="en-GB" dirty="0"/>
               <a:t>Dictionaries: Integer Keys.</a:t>
             </a:r>
-            <a:endParaRPr lang="en-GB" dirty="0"/>
           </a:p>
         </p:txBody>
       </p:sp>
@@ -7366,13 +7340,13 @@
           <a:lstStyle/>
           <a:p>
             <a:r>
-              <a:rPr lang="en-GB" dirty="0" smtClean="0"/>
+              <a:rPr lang="en-GB" dirty="0"/>
               <a:t>We can also use integers as keys.</a:t>
             </a:r>
           </a:p>
           <a:p>
             <a:r>
-              <a:rPr lang="en-GB" dirty="0" smtClean="0"/>
+              <a:rPr lang="en-GB" dirty="0"/>
               <a:t>We are doing that in this program.</a:t>
             </a:r>
           </a:p>
@@ -7383,16 +7357,16 @@
             <a:pPr marL="0" indent="0">
               <a:buNone/>
             </a:pPr>
-            <a:endParaRPr lang="en-GB" dirty="0" smtClean="0"/>
-          </a:p>
-          <a:p>
             <a:endParaRPr lang="en-GB" dirty="0"/>
           </a:p>
           <a:p>
+            <a:endParaRPr lang="en-GB" dirty="0"/>
+          </a:p>
+          <a:p>
             <a:pPr marL="0" indent="0">
               <a:buNone/>
             </a:pPr>
-            <a:endParaRPr lang="en-GB" dirty="0" smtClean="0"/>
+            <a:endParaRPr lang="en-GB" dirty="0"/>
           </a:p>
         </p:txBody>
       </p:sp>
@@ -7646,7 +7620,7 @@
           </a:lstStyle>
           <a:p>
             <a:r>
-              <a:rPr lang="en-GB" b="1" dirty="0" smtClean="0">
+              <a:rPr lang="en-GB" b="1" dirty="0">
                 <a:solidFill>
                   <a:srgbClr val="FFFF00"/>
                 </a:solidFill>
@@ -7654,7 +7628,7 @@
               <a:t>Task: </a:t>
             </a:r>
             <a:r>
-              <a:rPr lang="en-GB" dirty="0" smtClean="0">
+              <a:rPr lang="en-GB" dirty="0">
                 <a:solidFill>
                   <a:srgbClr val="FFFF00"/>
                 </a:solidFill>
@@ -7664,7 +7638,7 @@
           </a:p>
           <a:p>
             <a:r>
-              <a:rPr lang="en-GB" b="1" dirty="0" smtClean="0">
+              <a:rPr lang="en-GB" b="1" dirty="0">
                 <a:solidFill>
                   <a:srgbClr val="FFFF00"/>
                 </a:solidFill>
@@ -7672,14 +7646,14 @@
               <a:t>Extra Credit: </a:t>
             </a:r>
             <a:r>
-              <a:rPr lang="en-GB" dirty="0" smtClean="0">
+              <a:rPr lang="en-GB" dirty="0">
                 <a:solidFill>
                   <a:srgbClr val="FFFF00"/>
                 </a:solidFill>
               </a:rPr>
               <a:t>Do you know why the results are what they are (in terms of history).</a:t>
             </a:r>
-            <a:endParaRPr lang="en-GB" b="1" dirty="0" smtClean="0">
+            <a:endParaRPr lang="en-GB" b="1" dirty="0">
               <a:solidFill>
                 <a:srgbClr val="FFFF00"/>
               </a:solidFill>
@@ -7690,7 +7664,7 @@
               <a:buFont typeface="Wingdings 3" charset="2"/>
               <a:buNone/>
             </a:pPr>
-            <a:endParaRPr lang="en-GB" i="1" dirty="0" smtClean="0"/>
+            <a:endParaRPr lang="en-GB" i="1" dirty="0"/>
           </a:p>
         </p:txBody>
       </p:sp>
@@ -7720,7 +7694,7 @@
                 <a:latin typeface="Courier New" panose="02070309020205020404" pitchFamily="49" charset="0"/>
                 <a:cs typeface="Courier New" panose="02070309020205020404" pitchFamily="49" charset="0"/>
               </a:rPr>
-              <a:t># Week5, Example5</a:t>
+              <a:t># Week5, Program5</a:t>
             </a:r>
           </a:p>
           <a:p>
@@ -7768,21 +7742,7 @@
                 <a:latin typeface="Courier New" panose="02070309020205020404" pitchFamily="49" charset="0"/>
                 <a:cs typeface="Courier New" panose="02070309020205020404" pitchFamily="49" charset="0"/>
               </a:rPr>
-              <a:t>year[2016] = ["David Cameron</a:t>
-            </a:r>
-            <a:r>
-              <a:rPr lang="en-GB" sz="1200" dirty="0" smtClean="0">
-                <a:latin typeface="Courier New" panose="02070309020205020404" pitchFamily="49" charset="0"/>
-                <a:cs typeface="Courier New" panose="02070309020205020404" pitchFamily="49" charset="0"/>
-              </a:rPr>
-              <a:t>", "</a:t>
-            </a:r>
-            <a:r>
-              <a:rPr lang="en-GB" sz="1200" dirty="0">
-                <a:latin typeface="Courier New" panose="02070309020205020404" pitchFamily="49" charset="0"/>
-                <a:cs typeface="Courier New" panose="02070309020205020404" pitchFamily="49" charset="0"/>
-              </a:rPr>
-              <a:t>Theresa May"]</a:t>
+              <a:t>year[2016] = ["David Cameron", "Theresa May"]</a:t>
             </a:r>
           </a:p>
           <a:p>
@@ -8176,10 +8136,9 @@
           <a:lstStyle/>
           <a:p>
             <a:r>
-              <a:rPr lang="en-GB" dirty="0" smtClean="0"/>
+              <a:rPr lang="en-GB" dirty="0"/>
               <a:t>Iterating Over Dictionaries.</a:t>
             </a:r>
-            <a:endParaRPr lang="en-GB" dirty="0"/>
           </a:p>
         </p:txBody>
       </p:sp>
@@ -8206,27 +8165,27 @@
           <a:lstStyle/>
           <a:p>
             <a:r>
-              <a:rPr lang="en-GB" dirty="0" smtClean="0"/>
+              <a:rPr lang="en-GB" dirty="0"/>
               <a:t>You can iterate over dictionary keys, values or both.</a:t>
             </a:r>
           </a:p>
           <a:p>
             <a:r>
-              <a:rPr lang="en-GB" dirty="0" smtClean="0"/>
+              <a:rPr lang="en-GB" dirty="0"/>
               <a:t>If you are going to do a lot of this, you should ask yourself the question:</a:t>
             </a:r>
           </a:p>
           <a:p>
             <a:pPr lvl="1"/>
             <a:r>
-              <a:rPr lang="en-GB" dirty="0" smtClean="0"/>
+              <a:rPr lang="en-GB" dirty="0"/>
               <a:t>Should this be a dictionary, or a list ?</a:t>
             </a:r>
           </a:p>
           <a:p>
             <a:pPr lvl="1"/>
             <a:r>
-              <a:rPr lang="en-GB" dirty="0" smtClean="0"/>
+              <a:rPr lang="en-GB" dirty="0"/>
               <a:t>Sometimes however you want a dictionary that you do iterate over.</a:t>
             </a:r>
           </a:p>
@@ -8236,70 +8195,70 @@
           </a:p>
           <a:p>
             <a:r>
-              <a:rPr lang="en-GB" dirty="0" smtClean="0"/>
+              <a:rPr lang="en-GB" dirty="0"/>
               <a:t>To do so, use</a:t>
             </a:r>
           </a:p>
           <a:p>
             <a:pPr lvl="1"/>
             <a:r>
-              <a:rPr lang="en-GB" dirty="0" err="1" smtClean="0">
+              <a:rPr lang="en-GB" dirty="0" err="1">
                 <a:latin typeface="Courier New" panose="02070309020205020404" pitchFamily="49" charset="0"/>
                 <a:cs typeface="Courier New" panose="02070309020205020404" pitchFamily="49" charset="0"/>
               </a:rPr>
               <a:t>dictionary_name.keys</a:t>
             </a:r>
             <a:r>
-              <a:rPr lang="en-GB" dirty="0" smtClean="0">
+              <a:rPr lang="en-GB" dirty="0">
                 <a:latin typeface="Courier New" panose="02070309020205020404" pitchFamily="49" charset="0"/>
                 <a:cs typeface="Courier New" panose="02070309020205020404" pitchFamily="49" charset="0"/>
               </a:rPr>
               <a:t>()</a:t>
             </a:r>
             <a:r>
-              <a:rPr lang="en-GB" dirty="0" smtClean="0"/>
+              <a:rPr lang="en-GB" dirty="0"/>
               <a:t> to get all the keys.</a:t>
             </a:r>
           </a:p>
           <a:p>
             <a:pPr lvl="1"/>
             <a:r>
-              <a:rPr lang="en-GB" dirty="0" err="1" smtClean="0">
+              <a:rPr lang="en-GB" dirty="0" err="1">
                 <a:latin typeface="Courier New" panose="02070309020205020404" pitchFamily="49" charset="0"/>
                 <a:cs typeface="Courier New" panose="02070309020205020404" pitchFamily="49" charset="0"/>
               </a:rPr>
               <a:t>dictionary_name.values</a:t>
             </a:r>
             <a:r>
-              <a:rPr lang="en-GB" dirty="0" smtClean="0">
+              <a:rPr lang="en-GB" dirty="0">
                 <a:latin typeface="Courier New" panose="02070309020205020404" pitchFamily="49" charset="0"/>
                 <a:cs typeface="Courier New" panose="02070309020205020404" pitchFamily="49" charset="0"/>
               </a:rPr>
               <a:t>()</a:t>
             </a:r>
             <a:r>
-              <a:rPr lang="en-GB" dirty="0" smtClean="0"/>
+              <a:rPr lang="en-GB" dirty="0"/>
               <a:t>to get all the values.</a:t>
             </a:r>
           </a:p>
           <a:p>
             <a:pPr lvl="1"/>
             <a:r>
-              <a:rPr lang="en-GB" dirty="0" err="1" smtClean="0">
+              <a:rPr lang="en-GB" dirty="0" err="1">
                 <a:latin typeface="Courier New" panose="02070309020205020404" pitchFamily="49" charset="0"/>
                 <a:cs typeface="Courier New" panose="02070309020205020404" pitchFamily="49" charset="0"/>
               </a:rPr>
               <a:t>dictionary_names.items</a:t>
             </a:r>
             <a:r>
-              <a:rPr lang="en-GB" dirty="0" smtClean="0">
+              <a:rPr lang="en-GB" dirty="0">
                 <a:latin typeface="Courier New" panose="02070309020205020404" pitchFamily="49" charset="0"/>
                 <a:cs typeface="Courier New" panose="02070309020205020404" pitchFamily="49" charset="0"/>
               </a:rPr>
               <a:t>()</a:t>
             </a:r>
             <a:r>
-              <a:rPr lang="en-GB" dirty="0" smtClean="0"/>
+              <a:rPr lang="en-GB" dirty="0"/>
               <a:t>to get both as pairs.</a:t>
             </a:r>
           </a:p>
@@ -8309,24 +8268,24 @@
           </a:p>
           <a:p>
             <a:r>
-              <a:rPr lang="en-GB" dirty="0" smtClean="0"/>
+              <a:rPr lang="en-GB" dirty="0"/>
               <a:t>You can also define a dictionary, and set some keys and values in the one line.</a:t>
             </a:r>
           </a:p>
           <a:p>
             <a:r>
-              <a:rPr lang="en-GB" dirty="0" smtClean="0"/>
+              <a:rPr lang="en-GB" dirty="0"/>
               <a:t>You do so with </a:t>
             </a:r>
             <a:r>
-              <a:rPr lang="en-GB" dirty="0" err="1" smtClean="0">
+              <a:rPr lang="en-GB" dirty="0" err="1">
                 <a:latin typeface="Courier New" panose="02070309020205020404" pitchFamily="49" charset="0"/>
                 <a:cs typeface="Courier New" panose="02070309020205020404" pitchFamily="49" charset="0"/>
               </a:rPr>
               <a:t>dictionary_name</a:t>
             </a:r>
             <a:r>
-              <a:rPr lang="en-GB" dirty="0" smtClean="0">
+              <a:rPr lang="en-GB" dirty="0">
                 <a:latin typeface="Courier New" panose="02070309020205020404" pitchFamily="49" charset="0"/>
                 <a:cs typeface="Courier New" panose="02070309020205020404" pitchFamily="49" charset="0"/>
               </a:rPr>
@@ -8342,38 +8301,33 @@
           <a:p>
             <a:r>
               <a:rPr lang="en-GB" dirty="0"/>
-              <a:t>Lets look at some </a:t>
-            </a:r>
-            <a:r>
-              <a:rPr lang="en-GB" dirty="0" smtClean="0"/>
-              <a:t>examples on the next slide.</a:t>
-            </a:r>
+              <a:t>Lets look at some examples on the next slide.</a:t>
+            </a:r>
+          </a:p>
+          <a:p>
+            <a:pPr lvl="1"/>
             <a:endParaRPr lang="en-GB" dirty="0"/>
           </a:p>
           <a:p>
-            <a:pPr lvl="1"/>
-            <a:endParaRPr lang="en-GB" dirty="0" smtClean="0"/>
-          </a:p>
-          <a:p>
-            <a:endParaRPr lang="en-GB" dirty="0" smtClean="0"/>
-          </a:p>
-          <a:p>
             <a:endParaRPr lang="en-GB" dirty="0"/>
           </a:p>
           <a:p>
+            <a:endParaRPr lang="en-GB" dirty="0"/>
+          </a:p>
+          <a:p>
             <a:pPr marL="0" indent="0">
               <a:buNone/>
             </a:pPr>
-            <a:endParaRPr lang="en-GB" dirty="0" smtClean="0"/>
-          </a:p>
-          <a:p>
             <a:endParaRPr lang="en-GB" dirty="0"/>
           </a:p>
           <a:p>
+            <a:endParaRPr lang="en-GB" dirty="0"/>
+          </a:p>
+          <a:p>
             <a:pPr marL="0" indent="0">
               <a:buNone/>
             </a:pPr>
-            <a:endParaRPr lang="en-GB" dirty="0" smtClean="0"/>
+            <a:endParaRPr lang="en-GB" dirty="0"/>
           </a:p>
         </p:txBody>
       </p:sp>
@@ -8423,10 +8377,9 @@
           <a:lstStyle/>
           <a:p>
             <a:r>
-              <a:rPr lang="en-GB" dirty="0" smtClean="0"/>
+              <a:rPr lang="en-GB" dirty="0"/>
               <a:t>Iterating Over Dictionaries: Examples</a:t>
             </a:r>
-            <a:endParaRPr lang="en-GB" dirty="0"/>
           </a:p>
         </p:txBody>
       </p:sp>
@@ -8460,14 +8413,7 @@
                 <a:latin typeface="Courier New" panose="02070309020205020404" pitchFamily="49" charset="0"/>
                 <a:cs typeface="Courier New" panose="02070309020205020404" pitchFamily="49" charset="0"/>
               </a:rPr>
-              <a:t># Week5, </a:t>
-            </a:r>
-            <a:r>
-              <a:rPr lang="en-GB" sz="1200" dirty="0" smtClean="0">
-                <a:latin typeface="Courier New" panose="02070309020205020404" pitchFamily="49" charset="0"/>
-                <a:cs typeface="Courier New" panose="02070309020205020404" pitchFamily="49" charset="0"/>
-              </a:rPr>
-              <a:t>Example6</a:t>
+              <a:t># Week5, Program6</a:t>
             </a:r>
           </a:p>
           <a:p>
@@ -8603,89 +8549,75 @@
                 <a:latin typeface="Courier New" panose="02070309020205020404" pitchFamily="49" charset="0"/>
                 <a:cs typeface="Courier New" panose="02070309020205020404" pitchFamily="49" charset="0"/>
               </a:rPr>
-              <a:t>for n</a:t>
-            </a:r>
-            <a:r>
-              <a:rPr lang="en-GB" sz="1200" dirty="0" smtClean="0">
-                <a:latin typeface="Courier New" panose="02070309020205020404" pitchFamily="49" charset="0"/>
-                <a:cs typeface="Courier New" panose="02070309020205020404" pitchFamily="49" charset="0"/>
-              </a:rPr>
-              <a:t>, l </a:t>
+              <a:t>for n, l in </a:t>
+            </a:r>
+            <a:r>
+              <a:rPr lang="en-GB" sz="1200" dirty="0" err="1">
+                <a:latin typeface="Courier New" panose="02070309020205020404" pitchFamily="49" charset="0"/>
+                <a:cs typeface="Courier New" panose="02070309020205020404" pitchFamily="49" charset="0"/>
+              </a:rPr>
+              <a:t>alphabet.items</a:t>
             </a:r>
             <a:r>
               <a:rPr lang="en-GB" sz="1200" dirty="0">
                 <a:latin typeface="Courier New" panose="02070309020205020404" pitchFamily="49" charset="0"/>
                 <a:cs typeface="Courier New" panose="02070309020205020404" pitchFamily="49" charset="0"/>
               </a:rPr>
-              <a:t>in </a:t>
+              <a:t>():</a:t>
+            </a:r>
+          </a:p>
+          <a:p>
+            <a:pPr marL="0" indent="0">
+              <a:buNone/>
+            </a:pPr>
+            <a:r>
+              <a:rPr lang="en-GB" sz="1200" dirty="0">
+                <a:latin typeface="Courier New" panose="02070309020205020404" pitchFamily="49" charset="0"/>
+                <a:cs typeface="Courier New" panose="02070309020205020404" pitchFamily="49" charset="0"/>
+              </a:rPr>
+              <a:t>    print(</a:t>
             </a:r>
             <a:r>
               <a:rPr lang="en-GB" sz="1200" dirty="0" err="1">
                 <a:latin typeface="Courier New" panose="02070309020205020404" pitchFamily="49" charset="0"/>
                 <a:cs typeface="Courier New" panose="02070309020205020404" pitchFamily="49" charset="0"/>
               </a:rPr>
-              <a:t>alphabet.items</a:t>
+              <a:t>n,l</a:t>
             </a:r>
             <a:r>
               <a:rPr lang="en-GB" sz="1200" dirty="0">
                 <a:latin typeface="Courier New" panose="02070309020205020404" pitchFamily="49" charset="0"/>
                 <a:cs typeface="Courier New" panose="02070309020205020404" pitchFamily="49" charset="0"/>
               </a:rPr>
-              <a:t>():</a:t>
+              <a:t>)</a:t>
             </a:r>
           </a:p>
           <a:p>
             <a:pPr marL="0" indent="0">
               <a:buNone/>
             </a:pPr>
-            <a:r>
-              <a:rPr lang="en-GB" sz="1200" dirty="0">
-                <a:latin typeface="Courier New" panose="02070309020205020404" pitchFamily="49" charset="0"/>
-                <a:cs typeface="Courier New" panose="02070309020205020404" pitchFamily="49" charset="0"/>
-              </a:rPr>
-              <a:t>    print(</a:t>
-            </a:r>
-            <a:r>
-              <a:rPr lang="en-GB" sz="1200" dirty="0" err="1">
-                <a:latin typeface="Courier New" panose="02070309020205020404" pitchFamily="49" charset="0"/>
-                <a:cs typeface="Courier New" panose="02070309020205020404" pitchFamily="49" charset="0"/>
-              </a:rPr>
-              <a:t>n,l</a:t>
-            </a:r>
-            <a:r>
-              <a:rPr lang="en-GB" sz="1200" dirty="0">
-                <a:latin typeface="Courier New" panose="02070309020205020404" pitchFamily="49" charset="0"/>
-                <a:cs typeface="Courier New" panose="02070309020205020404" pitchFamily="49" charset="0"/>
-              </a:rPr>
-              <a:t>)</a:t>
-            </a:r>
+            <a:endParaRPr lang="en-GB" sz="1200" dirty="0"/>
+          </a:p>
+          <a:p>
+            <a:endParaRPr lang="en-GB" sz="1200" dirty="0"/>
+          </a:p>
+          <a:p>
+            <a:endParaRPr lang="en-GB" sz="1200" dirty="0"/>
           </a:p>
           <a:p>
             <a:pPr marL="0" indent="0">
               <a:buNone/>
             </a:pPr>
-            <a:endParaRPr lang="en-GB" sz="1200" dirty="0" smtClean="0"/>
-          </a:p>
-          <a:p>
-            <a:endParaRPr lang="en-GB" sz="1200" dirty="0" smtClean="0"/>
-          </a:p>
-          <a:p>
             <a:endParaRPr lang="en-GB" sz="1200" dirty="0"/>
           </a:p>
           <a:p>
+            <a:endParaRPr lang="en-GB" sz="1200" dirty="0"/>
+          </a:p>
+          <a:p>
             <a:pPr marL="0" indent="0">
               <a:buNone/>
             </a:pPr>
-            <a:endParaRPr lang="en-GB" sz="1200" dirty="0" smtClean="0"/>
-          </a:p>
-          <a:p>
             <a:endParaRPr lang="en-GB" sz="1200" dirty="0"/>
-          </a:p>
-          <a:p>
-            <a:pPr marL="0" indent="0">
-              <a:buNone/>
-            </a:pPr>
-            <a:endParaRPr lang="en-GB" sz="1200" dirty="0" smtClean="0"/>
           </a:p>
         </p:txBody>
       </p:sp>
@@ -8939,7 +8871,7 @@
           </a:lstStyle>
           <a:p>
             <a:r>
-              <a:rPr lang="en-GB" b="1" dirty="0" smtClean="0">
+              <a:rPr lang="en-GB" b="1" dirty="0">
                 <a:solidFill>
                   <a:srgbClr val="FFFF00"/>
                 </a:solidFill>
@@ -8947,7 +8879,7 @@
               <a:t>Task: </a:t>
             </a:r>
             <a:r>
-              <a:rPr lang="en-GB" dirty="0" smtClean="0">
+              <a:rPr lang="en-GB" dirty="0">
                 <a:solidFill>
                   <a:srgbClr val="FFFF00"/>
                 </a:solidFill>
@@ -9003,10 +8935,9 @@
           <a:lstStyle/>
           <a:p>
             <a:r>
-              <a:rPr lang="en-GB" dirty="0" smtClean="0"/>
+              <a:rPr lang="en-GB" dirty="0"/>
               <a:t>Keys are Unique</a:t>
             </a:r>
-            <a:endParaRPr lang="en-GB" dirty="0"/>
           </a:p>
         </p:txBody>
       </p:sp>
@@ -9040,7 +8971,7 @@
                 <a:latin typeface="Courier New" panose="02070309020205020404" pitchFamily="49" charset="0"/>
                 <a:cs typeface="Courier New" panose="02070309020205020404" pitchFamily="49" charset="0"/>
               </a:rPr>
-              <a:t># Week5, Example7</a:t>
+              <a:t># Week5, Program7</a:t>
             </a:r>
           </a:p>
           <a:p>
@@ -9157,21 +9088,7 @@
                 <a:latin typeface="Courier New" panose="02070309020205020404" pitchFamily="49" charset="0"/>
                 <a:cs typeface="Courier New" panose="02070309020205020404" pitchFamily="49" charset="0"/>
               </a:rPr>
-              <a:t>print</a:t>
-            </a:r>
-            <a:r>
-              <a:rPr lang="en-GB" sz="1600" dirty="0" smtClean="0">
-                <a:latin typeface="Courier New" panose="02070309020205020404" pitchFamily="49" charset="0"/>
-                <a:cs typeface="Courier New" panose="02070309020205020404" pitchFamily="49" charset="0"/>
-              </a:rPr>
-              <a:t>("Advanced </a:t>
-            </a:r>
-            <a:r>
-              <a:rPr lang="en-GB" sz="1600" dirty="0">
-                <a:latin typeface="Courier New" panose="02070309020205020404" pitchFamily="49" charset="0"/>
-                <a:cs typeface="Courier New" panose="02070309020205020404" pitchFamily="49" charset="0"/>
-              </a:rPr>
-              <a:t>Space Aliens move Charon from Pluto to Mars !")</a:t>
+              <a:t>print("Advanced Space Aliens move Charon from Pluto to Mars !")</a:t>
             </a:r>
           </a:p>
           <a:p>
@@ -9327,28 +9244,28 @@
             <a:pPr marL="0" indent="0">
               <a:buNone/>
             </a:pPr>
-            <a:endParaRPr lang="en-GB" sz="1200" dirty="0" smtClean="0"/>
-          </a:p>
-          <a:p>
-            <a:endParaRPr lang="en-GB" sz="1200" dirty="0" smtClean="0"/>
-          </a:p>
-          <a:p>
             <a:endParaRPr lang="en-GB" sz="1200" dirty="0"/>
           </a:p>
           <a:p>
+            <a:endParaRPr lang="en-GB" sz="1200" dirty="0"/>
+          </a:p>
+          <a:p>
+            <a:endParaRPr lang="en-GB" sz="1200" dirty="0"/>
+          </a:p>
+          <a:p>
             <a:pPr marL="0" indent="0">
               <a:buNone/>
             </a:pPr>
-            <a:endParaRPr lang="en-GB" sz="1200" dirty="0" smtClean="0"/>
-          </a:p>
-          <a:p>
             <a:endParaRPr lang="en-GB" sz="1200" dirty="0"/>
           </a:p>
           <a:p>
+            <a:endParaRPr lang="en-GB" sz="1200" dirty="0"/>
+          </a:p>
+          <a:p>
             <a:pPr marL="0" indent="0">
               <a:buNone/>
             </a:pPr>
-            <a:endParaRPr lang="en-GB" sz="1200" dirty="0" smtClean="0"/>
+            <a:endParaRPr lang="en-GB" sz="1200" dirty="0"/>
           </a:p>
         </p:txBody>
       </p:sp>
@@ -9602,7 +9519,7 @@
           </a:lstStyle>
           <a:p>
             <a:r>
-              <a:rPr lang="en-GB" b="1" dirty="0" smtClean="0">
+              <a:rPr lang="en-GB" b="1" dirty="0">
                 <a:solidFill>
                   <a:srgbClr val="FFFF00"/>
                 </a:solidFill>
@@ -9610,7 +9527,7 @@
               <a:t>Task: </a:t>
             </a:r>
             <a:r>
-              <a:rPr lang="en-GB" dirty="0" smtClean="0">
+              <a:rPr lang="en-GB" dirty="0">
                 <a:solidFill>
                   <a:srgbClr val="FFFF00"/>
                 </a:solidFill>
@@ -9870,19 +9787,19 @@
           </a:lstStyle>
           <a:p>
             <a:r>
-              <a:rPr lang="en-GB" dirty="0" smtClean="0"/>
+              <a:rPr lang="en-GB" dirty="0"/>
               <a:t>Keys are unique.</a:t>
             </a:r>
           </a:p>
           <a:p>
             <a:r>
-              <a:rPr lang="en-GB" dirty="0" smtClean="0"/>
+              <a:rPr lang="en-GB" dirty="0"/>
               <a:t>If you try and add something to a dictionary and the key already exists, you replace it.</a:t>
             </a:r>
           </a:p>
           <a:p>
             <a:r>
-              <a:rPr lang="en-GB" dirty="0" smtClean="0"/>
+              <a:rPr lang="en-GB" dirty="0"/>
               <a:t>You can also modify the values of existing keys.</a:t>
             </a:r>
           </a:p>
@@ -9891,17 +9808,17 @@
               <a:buFont typeface="Wingdings 3" charset="2"/>
               <a:buNone/>
             </a:pPr>
-            <a:endParaRPr lang="en-GB" dirty="0" smtClean="0"/>
-          </a:p>
-          <a:p>
-            <a:endParaRPr lang="en-GB" dirty="0" smtClean="0"/>
+            <a:endParaRPr lang="en-GB" dirty="0"/>
+          </a:p>
+          <a:p>
+            <a:endParaRPr lang="en-GB" dirty="0"/>
           </a:p>
           <a:p>
             <a:pPr marL="0" indent="0">
               <a:buFont typeface="Wingdings 3" charset="2"/>
               <a:buNone/>
             </a:pPr>
-            <a:endParaRPr lang="en-GB" dirty="0" smtClean="0"/>
+            <a:endParaRPr lang="en-GB" dirty="0"/>
           </a:p>
         </p:txBody>
       </p:sp>
@@ -9956,10 +9873,9 @@
           <a:lstStyle/>
           <a:p>
             <a:r>
-              <a:rPr lang="en-GB" b="1" dirty="0" smtClean="0"/>
+              <a:rPr lang="en-GB" b="1" dirty="0"/>
               <a:t>Working with Files.</a:t>
             </a:r>
-            <a:endParaRPr lang="en-GB" b="1" dirty="0"/>
           </a:p>
         </p:txBody>
       </p:sp>
@@ -10050,10 +9966,9 @@
           <a:lstStyle/>
           <a:p>
             <a:r>
-              <a:rPr lang="en-GB" dirty="0" smtClean="0"/>
+              <a:rPr lang="en-GB" dirty="0"/>
               <a:t>Writing Files.</a:t>
             </a:r>
-            <a:endParaRPr lang="en-GB" dirty="0"/>
           </a:p>
         </p:txBody>
       </p:sp>
@@ -10306,24 +10221,24 @@
             </a:lvl9pPr>
           </a:lstStyle>
           <a:p>
-            <a:endParaRPr lang="en-GB" dirty="0" smtClean="0"/>
+            <a:endParaRPr lang="en-GB" dirty="0"/>
           </a:p>
           <a:p>
             <a:pPr marL="0" indent="0">
               <a:buFont typeface="Wingdings 3" charset="2"/>
               <a:buNone/>
             </a:pPr>
-            <a:endParaRPr lang="en-GB" dirty="0" smtClean="0"/>
-          </a:p>
-          <a:p>
-            <a:endParaRPr lang="en-GB" dirty="0" smtClean="0"/>
+            <a:endParaRPr lang="en-GB" dirty="0"/>
+          </a:p>
+          <a:p>
+            <a:endParaRPr lang="en-GB" dirty="0"/>
           </a:p>
           <a:p>
             <a:pPr marL="0" indent="0">
               <a:buFont typeface="Wingdings 3" charset="2"/>
               <a:buNone/>
             </a:pPr>
-            <a:endParaRPr lang="en-GB" dirty="0" smtClean="0"/>
+            <a:endParaRPr lang="en-GB" dirty="0"/>
           </a:p>
         </p:txBody>
       </p:sp>
@@ -10577,89 +10492,89 @@
           </a:lstStyle>
           <a:p>
             <a:r>
-              <a:rPr lang="en-GB" dirty="0" smtClean="0"/>
+              <a:rPr lang="en-GB" dirty="0"/>
               <a:t>First, we will show you how to write text to a file.</a:t>
             </a:r>
           </a:p>
           <a:p>
             <a:r>
-              <a:rPr lang="en-GB" dirty="0" smtClean="0"/>
+              <a:rPr lang="en-GB" dirty="0"/>
               <a:t>To do this, we need to do these things.</a:t>
             </a:r>
           </a:p>
           <a:p>
             <a:pPr lvl="1"/>
             <a:r>
-              <a:rPr lang="en-GB" sz="1600" dirty="0" smtClean="0"/>
+              <a:rPr lang="en-GB" sz="1600" dirty="0"/>
               <a:t>1.) We need to open the file. </a:t>
             </a:r>
             <a:br>
-              <a:rPr lang="en-GB" sz="1600" dirty="0" smtClean="0"/>
+              <a:rPr lang="en-GB" sz="1600" dirty="0"/>
             </a:br>
             <a:r>
-              <a:rPr lang="en-GB" sz="1600" dirty="0" smtClean="0"/>
+              <a:rPr lang="en-GB" sz="1600" dirty="0"/>
               <a:t>This causes Python to make a file if it doesn't exist, and be ready to write to it.</a:t>
             </a:r>
           </a:p>
           <a:p>
             <a:pPr lvl="2"/>
             <a:r>
-              <a:rPr lang="en-GB" sz="1400" dirty="0" smtClean="0"/>
+              <a:rPr lang="en-GB" sz="1400" dirty="0"/>
               <a:t>We need to know the filename we want to open.</a:t>
             </a:r>
           </a:p>
           <a:p>
             <a:pPr lvl="2"/>
             <a:r>
-              <a:rPr lang="en-GB" sz="1400" dirty="0" smtClean="0"/>
+              <a:rPr lang="en-GB" sz="1400" dirty="0"/>
               <a:t>We need to say what mode we are opening the file in.</a:t>
             </a:r>
           </a:p>
           <a:p>
             <a:pPr lvl="2"/>
             <a:r>
-              <a:rPr lang="en-GB" sz="1400" dirty="0" smtClean="0"/>
+              <a:rPr lang="en-GB" sz="1400" dirty="0"/>
               <a:t>The table on the right explains the modes.</a:t>
             </a:r>
-            <a:endParaRPr lang="en-GB" sz="1200" dirty="0" smtClean="0"/>
+            <a:endParaRPr lang="en-GB" sz="1200" dirty="0"/>
           </a:p>
           <a:p>
             <a:pPr lvl="1"/>
             <a:r>
-              <a:rPr lang="en-GB" sz="1600" dirty="0" smtClean="0"/>
+              <a:rPr lang="en-GB" sz="1600" dirty="0"/>
               <a:t>2.) We use the </a:t>
             </a:r>
             <a:r>
-              <a:rPr lang="en-GB" sz="1600" u="sng" dirty="0" smtClean="0"/>
+              <a:rPr lang="en-GB" sz="1600" u="sng" dirty="0"/>
               <a:t>.write()</a:t>
             </a:r>
             <a:r>
-              <a:rPr lang="en-GB" sz="1600" dirty="0" smtClean="0"/>
+              <a:rPr lang="en-GB" sz="1600" dirty="0"/>
               <a:t> method to write to the file.</a:t>
             </a:r>
           </a:p>
           <a:p>
             <a:pPr lvl="1"/>
             <a:r>
-              <a:rPr lang="en-GB" sz="1600" dirty="0" smtClean="0"/>
+              <a:rPr lang="en-GB" sz="1600" dirty="0"/>
               <a:t>3.) Once we are finished with the file, we need to use the </a:t>
             </a:r>
             <a:r>
-              <a:rPr lang="en-GB" sz="1600" u="sng" dirty="0" smtClean="0"/>
+              <a:rPr lang="en-GB" sz="1600" u="sng" dirty="0"/>
               <a:t>.close() </a:t>
             </a:r>
             <a:r>
-              <a:rPr lang="en-GB" sz="1600" dirty="0" smtClean="0"/>
+              <a:rPr lang="en-GB" sz="1600" dirty="0"/>
               <a:t>method to be finished with it.</a:t>
             </a:r>
-            <a:endParaRPr lang="en-GB" dirty="0" smtClean="0"/>
+            <a:endParaRPr lang="en-GB" dirty="0"/>
           </a:p>
           <a:p>
             <a:pPr marL="0" indent="0">
               <a:buFont typeface="Wingdings 3" charset="2"/>
               <a:buNone/>
             </a:pPr>
-            <a:endParaRPr lang="en-GB" dirty="0" smtClean="0"/>
+            <a:endParaRPr lang="en-GB" dirty="0"/>
           </a:p>
         </p:txBody>
       </p:sp>
@@ -10688,8 +10603,20 @@
                 <a:tableStyleId>{5C22544A-7EE6-4342-B048-85BDC9FD1C3A}</a:tableStyleId>
               </a:tblPr>
               <a:tblGrid>
-                <a:gridCol w="881449"/>
-                <a:gridCol w="3624649"/>
+                <a:gridCol w="881449">
+                  <a:extLst>
+                    <a:ext uri="{9D8B030D-6E8A-4147-A177-3AD203B41FA5}">
+                      <a16:colId xmlns:a16="http://schemas.microsoft.com/office/drawing/2014/main" val="20000"/>
+                    </a:ext>
+                  </a:extLst>
+                </a:gridCol>
+                <a:gridCol w="3624649">
+                  <a:extLst>
+                    <a:ext uri="{9D8B030D-6E8A-4147-A177-3AD203B41FA5}">
+                      <a16:colId xmlns:a16="http://schemas.microsoft.com/office/drawing/2014/main" val="20001"/>
+                    </a:ext>
+                  </a:extLst>
+                </a:gridCol>
               </a:tblGrid>
               <a:tr h="484662">
                 <a:tc>
@@ -10699,10 +10626,9 @@
                     <a:p>
                       <a:pPr algn="l"/>
                       <a:r>
-                        <a:rPr lang="en-GB" sz="1200" dirty="0" smtClean="0"/>
+                        <a:rPr lang="en-GB" sz="1200" dirty="0"/>
                         <a:t>Code</a:t>
                       </a:r>
-                      <a:endParaRPr lang="en-GB" sz="1200" dirty="0"/>
                     </a:p>
                   </a:txBody>
                   <a:tcPr/>
@@ -10714,14 +10640,18 @@
                     <a:p>
                       <a:pPr algn="l"/>
                       <a:r>
-                        <a:rPr lang="en-GB" sz="1200" dirty="0" smtClean="0"/>
+                        <a:rPr lang="en-GB" sz="1200" dirty="0"/>
                         <a:t>What it does</a:t>
                       </a:r>
-                      <a:endParaRPr lang="en-GB" sz="1200" dirty="0"/>
                     </a:p>
                   </a:txBody>
                   <a:tcPr/>
                 </a:tc>
+                <a:extLst>
+                  <a:ext uri="{0D108BD9-81ED-4DB2-BD59-A6C34878D82A}">
+                    <a16:rowId xmlns:a16="http://schemas.microsoft.com/office/drawing/2014/main" val="10000"/>
+                  </a:ext>
+                </a:extLst>
               </a:tr>
               <a:tr h="456170">
                 <a:tc>
@@ -10731,10 +10661,9 @@
                     <a:p>
                       <a:pPr algn="ctr"/>
                       <a:r>
-                        <a:rPr lang="en-GB" sz="1200" dirty="0" smtClean="0"/>
+                        <a:rPr lang="en-GB" sz="1200" dirty="0"/>
                         <a:t>w</a:t>
                       </a:r>
-                      <a:endParaRPr lang="en-GB" sz="1200" dirty="0"/>
                     </a:p>
                   </a:txBody>
                   <a:tcPr/>
@@ -10746,11 +10675,11 @@
                     <a:p>
                       <a:pPr algn="l"/>
                       <a:r>
-                        <a:rPr lang="en-GB" sz="1200" dirty="0" smtClean="0"/>
+                        <a:rPr lang="en-GB" sz="1200" dirty="0"/>
                         <a:t>Write to the file. Overwrite the file totally if</a:t>
                       </a:r>
                       <a:r>
-                        <a:rPr lang="en-GB" sz="1200" baseline="0" dirty="0" smtClean="0"/>
+                        <a:rPr lang="en-GB" sz="1200" baseline="0" dirty="0"/>
                         <a:t> it already exists.</a:t>
                       </a:r>
                       <a:endParaRPr lang="en-GB" sz="1200" dirty="0"/>
@@ -10758,6 +10687,11 @@
                   </a:txBody>
                   <a:tcPr/>
                 </a:tc>
+                <a:extLst>
+                  <a:ext uri="{0D108BD9-81ED-4DB2-BD59-A6C34878D82A}">
+                    <a16:rowId xmlns:a16="http://schemas.microsoft.com/office/drawing/2014/main" val="10001"/>
+                  </a:ext>
+                </a:extLst>
               </a:tr>
               <a:tr h="456170">
                 <a:tc>
@@ -10767,10 +10701,9 @@
                     <a:p>
                       <a:pPr algn="ctr"/>
                       <a:r>
-                        <a:rPr lang="en-GB" sz="1200" dirty="0" smtClean="0"/>
+                        <a:rPr lang="en-GB" sz="1200" dirty="0"/>
                         <a:t>a</a:t>
                       </a:r>
-                      <a:endParaRPr lang="en-GB" sz="1200" dirty="0"/>
                     </a:p>
                   </a:txBody>
                   <a:tcPr/>
@@ -10782,11 +10715,11 @@
                     <a:p>
                       <a:pPr algn="l"/>
                       <a:r>
-                        <a:rPr lang="en-GB" sz="1200" dirty="0" smtClean="0"/>
+                        <a:rPr lang="en-GB" sz="1200" dirty="0"/>
                         <a:t>Append</a:t>
                       </a:r>
                       <a:r>
-                        <a:rPr lang="en-GB" sz="1200" baseline="0" dirty="0" smtClean="0"/>
+                        <a:rPr lang="en-GB" sz="1200" baseline="0" dirty="0"/>
                         <a:t> to the file. If the file already exists, things you write to it get added to the bottom.</a:t>
                       </a:r>
                       <a:endParaRPr lang="en-GB" sz="1200" dirty="0"/>
@@ -10794,6 +10727,11 @@
                   </a:txBody>
                   <a:tcPr/>
                 </a:tc>
+                <a:extLst>
+                  <a:ext uri="{0D108BD9-81ED-4DB2-BD59-A6C34878D82A}">
+                    <a16:rowId xmlns:a16="http://schemas.microsoft.com/office/drawing/2014/main" val="10002"/>
+                  </a:ext>
+                </a:extLst>
               </a:tr>
               <a:tr h="456170">
                 <a:tc>
@@ -10803,10 +10741,9 @@
                     <a:p>
                       <a:pPr algn="ctr"/>
                       <a:r>
-                        <a:rPr lang="en-GB" sz="1200" dirty="0" smtClean="0"/>
+                        <a:rPr lang="en-GB" sz="1200" dirty="0"/>
                         <a:t>r</a:t>
                       </a:r>
-                      <a:endParaRPr lang="en-GB" sz="1200" dirty="0"/>
                     </a:p>
                   </a:txBody>
                   <a:tcPr/>
@@ -10818,11 +10755,11 @@
                     <a:p>
                       <a:pPr algn="l"/>
                       <a:r>
-                        <a:rPr lang="en-GB" sz="1200" dirty="0" smtClean="0"/>
+                        <a:rPr lang="en-GB" sz="1200" dirty="0"/>
                         <a:t>Read from the file.</a:t>
                       </a:r>
                       <a:r>
-                        <a:rPr lang="en-GB" sz="1200" baseline="0" dirty="0" smtClean="0"/>
+                        <a:rPr lang="en-GB" sz="1200" baseline="0" dirty="0"/>
                         <a:t> Use this if you want to get the contents of the file into your program.</a:t>
                       </a:r>
                       <a:endParaRPr lang="en-GB" sz="1200" dirty="0"/>
@@ -10830,6 +10767,11 @@
                   </a:txBody>
                   <a:tcPr/>
                 </a:tc>
+                <a:extLst>
+                  <a:ext uri="{0D108BD9-81ED-4DB2-BD59-A6C34878D82A}">
+                    <a16:rowId xmlns:a16="http://schemas.microsoft.com/office/drawing/2014/main" val="10003"/>
+                  </a:ext>
+                </a:extLst>
               </a:tr>
               <a:tr h="456170">
                 <a:tc>
@@ -10839,10 +10781,9 @@
                     <a:p>
                       <a:pPr algn="ctr"/>
                       <a:r>
-                        <a:rPr lang="en-GB" sz="1200" dirty="0" smtClean="0"/>
+                        <a:rPr lang="en-GB" sz="1200" dirty="0"/>
                         <a:t>x</a:t>
                       </a:r>
-                      <a:endParaRPr lang="en-GB" sz="1200" dirty="0"/>
                     </a:p>
                   </a:txBody>
                   <a:tcPr/>
@@ -10854,14 +10795,18 @@
                     <a:p>
                       <a:pPr algn="l"/>
                       <a:r>
-                        <a:rPr lang="en-GB" sz="1200" dirty="0" smtClean="0"/>
+                        <a:rPr lang="en-GB" sz="1200" dirty="0"/>
                         <a:t>Create a new file for writing. This will fail with an error if the file already exists.</a:t>
                       </a:r>
-                      <a:endParaRPr lang="en-GB" sz="1200" dirty="0"/>
                     </a:p>
                   </a:txBody>
                   <a:tcPr/>
                 </a:tc>
+                <a:extLst>
+                  <a:ext uri="{0D108BD9-81ED-4DB2-BD59-A6C34878D82A}">
+                    <a16:rowId xmlns:a16="http://schemas.microsoft.com/office/drawing/2014/main" val="10004"/>
+                  </a:ext>
+                </a:extLst>
               </a:tr>
             </a:tbl>
           </a:graphicData>
@@ -11120,7 +11065,7 @@
               <a:buNone/>
             </a:pPr>
             <a:r>
-              <a:rPr lang="en-GB" b="1" dirty="0" smtClean="0"/>
+              <a:rPr lang="en-GB" b="1" dirty="0"/>
               <a:t>Commonly Used Modes.</a:t>
             </a:r>
           </a:p>
@@ -11172,10 +11117,9 @@
           <a:lstStyle/>
           <a:p>
             <a:r>
-              <a:rPr lang="en-GB" dirty="0" smtClean="0"/>
+              <a:rPr lang="en-GB" dirty="0"/>
               <a:t>Writing File – An example.</a:t>
             </a:r>
-            <a:endParaRPr lang="en-GB" dirty="0"/>
           </a:p>
         </p:txBody>
       </p:sp>
@@ -11428,24 +11372,24 @@
             </a:lvl9pPr>
           </a:lstStyle>
           <a:p>
-            <a:endParaRPr lang="en-GB" dirty="0" smtClean="0"/>
+            <a:endParaRPr lang="en-GB" dirty="0"/>
           </a:p>
           <a:p>
             <a:pPr marL="0" indent="0">
               <a:buFont typeface="Wingdings 3" charset="2"/>
               <a:buNone/>
             </a:pPr>
-            <a:endParaRPr lang="en-GB" dirty="0" smtClean="0"/>
-          </a:p>
-          <a:p>
-            <a:endParaRPr lang="en-GB" dirty="0" smtClean="0"/>
+            <a:endParaRPr lang="en-GB" dirty="0"/>
+          </a:p>
+          <a:p>
+            <a:endParaRPr lang="en-GB" dirty="0"/>
           </a:p>
           <a:p>
             <a:pPr marL="0" indent="0">
               <a:buFont typeface="Wingdings 3" charset="2"/>
               <a:buNone/>
             </a:pPr>
-            <a:endParaRPr lang="en-GB" dirty="0" smtClean="0"/>
+            <a:endParaRPr lang="en-GB" dirty="0"/>
           </a:p>
         </p:txBody>
       </p:sp>
@@ -11699,32 +11643,28 @@
           </a:lstStyle>
           <a:p>
             <a:r>
-              <a:rPr lang="en-GB" dirty="0" smtClean="0"/>
+              <a:rPr lang="en-GB" dirty="0"/>
               <a:t>This program will open a file and write to it.</a:t>
             </a:r>
           </a:p>
           <a:p>
             <a:r>
-              <a:rPr lang="en-GB" dirty="0" smtClean="0"/>
+              <a:rPr lang="en-GB" dirty="0"/>
               <a:t>The file will be in the same location as your python program.</a:t>
             </a:r>
           </a:p>
           <a:p>
             <a:r>
-              <a:rPr lang="en-GB" dirty="0" smtClean="0"/>
+              <a:rPr lang="en-GB" dirty="0"/>
               <a:t>You should see it appear in the project list on the left of </a:t>
             </a:r>
             <a:r>
-              <a:rPr lang="en-GB" dirty="0" err="1" smtClean="0"/>
+              <a:rPr lang="en-GB" dirty="0" err="1"/>
               <a:t>PyCharm</a:t>
             </a:r>
             <a:r>
               <a:rPr lang="en-GB" dirty="0"/>
-              <a:t> </a:t>
-            </a:r>
-            <a:r>
-              <a:rPr lang="en-GB" dirty="0" smtClean="0"/>
-              <a:t>after you run it.</a:t>
+              <a:t> after you run it.</a:t>
             </a:r>
           </a:p>
           <a:p>
@@ -11732,7 +11672,7 @@
               <a:buFont typeface="Wingdings 3" charset="2"/>
               <a:buNone/>
             </a:pPr>
-            <a:endParaRPr lang="en-GB" dirty="0" smtClean="0"/>
+            <a:endParaRPr lang="en-GB" dirty="0"/>
           </a:p>
         </p:txBody>
       </p:sp>
@@ -11986,7 +11926,7 @@
           </a:lstStyle>
           <a:p>
             <a:r>
-              <a:rPr lang="en-GB" b="1" dirty="0" smtClean="0">
+              <a:rPr lang="en-GB" b="1" dirty="0">
                 <a:solidFill>
                   <a:srgbClr val="FFFF00"/>
                 </a:solidFill>
@@ -11994,7 +11934,7 @@
               <a:t>Task: </a:t>
             </a:r>
             <a:r>
-              <a:rPr lang="en-GB" dirty="0" smtClean="0">
+              <a:rPr lang="en-GB" dirty="0">
                 <a:solidFill>
                   <a:srgbClr val="FFFF00"/>
                 </a:solidFill>
@@ -12004,7 +11944,7 @@
           </a:p>
           <a:p>
             <a:r>
-              <a:rPr lang="en-GB" dirty="0" smtClean="0">
+              <a:rPr lang="en-GB" dirty="0">
                 <a:solidFill>
                   <a:srgbClr val="FFFF00"/>
                 </a:solidFill>
@@ -12036,18 +11976,11 @@
           <a:lstStyle/>
           <a:p>
             <a:r>
-              <a:rPr lang="en-GB" sz="1400" dirty="0" smtClean="0">
-                <a:latin typeface="Courier New" panose="02070309020205020404" pitchFamily="49" charset="0"/>
-                <a:cs typeface="Courier New" panose="02070309020205020404" pitchFamily="49" charset="0"/>
-              </a:rPr>
-              <a:t># </a:t>
-            </a:r>
-            <a:r>
               <a:rPr lang="en-GB" sz="1400" dirty="0">
                 <a:latin typeface="Courier New" panose="02070309020205020404" pitchFamily="49" charset="0"/>
                 <a:cs typeface="Courier New" panose="02070309020205020404" pitchFamily="49" charset="0"/>
               </a:rPr>
-              <a:t>Week5, Example8</a:t>
+              <a:t># Week5, Program8</a:t>
             </a:r>
           </a:p>
           <a:p>
@@ -12062,19 +11995,8 @@
                 <a:latin typeface="Courier New" panose="02070309020205020404" pitchFamily="49" charset="0"/>
                 <a:cs typeface="Courier New" panose="02070309020205020404" pitchFamily="49" charset="0"/>
               </a:rPr>
-              <a:t># </a:t>
-            </a:r>
-            <a:r>
-              <a:rPr lang="en-GB" sz="1400" dirty="0" smtClean="0">
-                <a:latin typeface="Courier New" panose="02070309020205020404" pitchFamily="49" charset="0"/>
-                <a:cs typeface="Courier New" panose="02070309020205020404" pitchFamily="49" charset="0"/>
-              </a:rPr>
-              <a:t>Open a new file for writing.</a:t>
-            </a:r>
-            <a:endParaRPr lang="en-GB" sz="1400" dirty="0">
-              <a:latin typeface="Courier New" panose="02070309020205020404" pitchFamily="49" charset="0"/>
-              <a:cs typeface="Courier New" panose="02070309020205020404" pitchFamily="49" charset="0"/>
-            </a:endParaRPr>
+              <a:t># Open a new file for writing.</a:t>
+            </a:r>
           </a:p>
           <a:p>
             <a:r>
@@ -12208,10 +12130,9 @@
           <a:lstStyle/>
           <a:p>
             <a:r>
-              <a:rPr lang="en-GB" dirty="0" smtClean="0"/>
+              <a:rPr lang="en-GB" dirty="0"/>
               <a:t>Goals of this week.</a:t>
             </a:r>
-            <a:endParaRPr lang="en-GB" dirty="0"/>
           </a:p>
         </p:txBody>
       </p:sp>
@@ -12233,49 +12154,54 @@
           <a:lstStyle/>
           <a:p>
             <a:r>
-              <a:rPr lang="en-GB" dirty="0" smtClean="0"/>
+              <a:rPr lang="en-GB" dirty="0"/>
               <a:t>This week we will learn about.</a:t>
             </a:r>
           </a:p>
           <a:p>
             <a:pPr lvl="1"/>
             <a:r>
-              <a:rPr lang="en-GB" dirty="0" smtClean="0"/>
+              <a:rPr lang="en-GB" dirty="0"/>
               <a:t>Importing modules.</a:t>
             </a:r>
           </a:p>
           <a:p>
             <a:pPr lvl="2"/>
             <a:r>
-              <a:rPr lang="en-GB" dirty="0" smtClean="0"/>
+              <a:rPr lang="en-GB" dirty="0"/>
               <a:t>Specifically the "random" module.</a:t>
             </a:r>
           </a:p>
           <a:p>
             <a:pPr lvl="1"/>
             <a:r>
-              <a:rPr lang="en-GB" dirty="0" smtClean="0"/>
+              <a:rPr lang="en-GB" dirty="0"/>
               <a:t>Using random numbers in a program.</a:t>
             </a:r>
           </a:p>
           <a:p>
             <a:pPr lvl="1"/>
             <a:r>
-              <a:rPr lang="en-GB" dirty="0" smtClean="0"/>
+              <a:rPr lang="en-GB" dirty="0"/>
               <a:t>Using the new data type, the "dictionary".</a:t>
             </a:r>
           </a:p>
           <a:p>
             <a:pPr lvl="1"/>
             <a:r>
-              <a:rPr lang="en-GB" dirty="0" smtClean="0"/>
-              <a:t>Reading and Writing from files on the disk</a:t>
-            </a:r>
-            <a:r>
-              <a:rPr lang="en-GB" dirty="0" smtClean="0"/>
-              <a:t>.</a:t>
-            </a:r>
-            <a:endParaRPr lang="en-GB" dirty="0" smtClean="0"/>
+              <a:rPr lang="en-GB" dirty="0"/>
+              <a:t>Reading and Writing from files on the disk.</a:t>
+            </a:r>
+          </a:p>
+          <a:p>
+            <a:pPr lvl="1"/>
+            <a:endParaRPr lang="en-GB" dirty="0"/>
+          </a:p>
+          <a:p>
+            <a:r>
+              <a:rPr lang="en-GB" sz="1600" i="1" dirty="0"/>
+              <a:t>We will also get to work with palindromes.</a:t>
+            </a:r>
           </a:p>
         </p:txBody>
       </p:sp>
@@ -12289,13 +12215,6 @@
   <p:clrMapOvr>
     <a:masterClrMapping/>
   </p:clrMapOvr>
-  <p:timing>
-    <p:tnLst>
-      <p:par>
-        <p:cTn id="1" dur="indefinite" restart="never" nodeType="tmRoot"/>
-      </p:par>
-    </p:tnLst>
-  </p:timing>
 </p:sld>
 </file>
 
@@ -12332,10 +12251,9 @@
           <a:lstStyle/>
           <a:p>
             <a:r>
-              <a:rPr lang="en-GB" dirty="0" smtClean="0"/>
+              <a:rPr lang="en-GB" dirty="0"/>
               <a:t>Overwriting a File.</a:t>
             </a:r>
-            <a:endParaRPr lang="en-GB" dirty="0"/>
           </a:p>
         </p:txBody>
       </p:sp>
@@ -12588,24 +12506,24 @@
             </a:lvl9pPr>
           </a:lstStyle>
           <a:p>
-            <a:endParaRPr lang="en-GB" dirty="0" smtClean="0"/>
+            <a:endParaRPr lang="en-GB" dirty="0"/>
           </a:p>
           <a:p>
             <a:pPr marL="0" indent="0">
               <a:buFont typeface="Wingdings 3" charset="2"/>
               <a:buNone/>
             </a:pPr>
-            <a:endParaRPr lang="en-GB" dirty="0" smtClean="0"/>
-          </a:p>
-          <a:p>
-            <a:endParaRPr lang="en-GB" dirty="0" smtClean="0"/>
+            <a:endParaRPr lang="en-GB" dirty="0"/>
+          </a:p>
+          <a:p>
+            <a:endParaRPr lang="en-GB" dirty="0"/>
           </a:p>
           <a:p>
             <a:pPr marL="0" indent="0">
               <a:buFont typeface="Wingdings 3" charset="2"/>
               <a:buNone/>
             </a:pPr>
-            <a:endParaRPr lang="en-GB" dirty="0" smtClean="0"/>
+            <a:endParaRPr lang="en-GB" dirty="0"/>
           </a:p>
         </p:txBody>
       </p:sp>
@@ -12859,7 +12777,7 @@
           </a:lstStyle>
           <a:p>
             <a:r>
-              <a:rPr lang="en-GB" dirty="0" smtClean="0"/>
+              <a:rPr lang="en-GB" dirty="0"/>
               <a:t>This program will overwrite a file that already exists.</a:t>
             </a:r>
           </a:p>
@@ -12868,7 +12786,7 @@
               <a:buFont typeface="Wingdings 3" charset="2"/>
               <a:buNone/>
             </a:pPr>
-            <a:endParaRPr lang="en-GB" dirty="0" smtClean="0"/>
+            <a:endParaRPr lang="en-GB" dirty="0"/>
           </a:p>
         </p:txBody>
       </p:sp>
@@ -13122,7 +13040,7 @@
           </a:lstStyle>
           <a:p>
             <a:r>
-              <a:rPr lang="en-GB" b="1" dirty="0" smtClean="0">
+              <a:rPr lang="en-GB" b="1" dirty="0">
                 <a:solidFill>
                   <a:srgbClr val="FFFF00"/>
                 </a:solidFill>
@@ -13130,7 +13048,7 @@
               <a:t>Task: </a:t>
             </a:r>
             <a:r>
-              <a:rPr lang="en-GB" dirty="0" smtClean="0">
+              <a:rPr lang="en-GB" dirty="0">
                 <a:solidFill>
                   <a:srgbClr val="FFFF00"/>
                 </a:solidFill>
@@ -13140,7 +13058,7 @@
           </a:p>
           <a:p>
             <a:r>
-              <a:rPr lang="en-GB" dirty="0" smtClean="0">
+              <a:rPr lang="en-GB" dirty="0">
                 <a:solidFill>
                   <a:srgbClr val="FFFF00"/>
                 </a:solidFill>
@@ -13172,18 +13090,11 @@
           <a:lstStyle/>
           <a:p>
             <a:r>
-              <a:rPr lang="en-GB" sz="1400" dirty="0" smtClean="0">
-                <a:latin typeface="Courier New" panose="02070309020205020404" pitchFamily="49" charset="0"/>
-                <a:cs typeface="Courier New" panose="02070309020205020404" pitchFamily="49" charset="0"/>
-              </a:rPr>
-              <a:t># </a:t>
-            </a:r>
-            <a:r>
               <a:rPr lang="en-GB" sz="1400" dirty="0">
                 <a:latin typeface="Courier New" panose="02070309020205020404" pitchFamily="49" charset="0"/>
                 <a:cs typeface="Courier New" panose="02070309020205020404" pitchFamily="49" charset="0"/>
               </a:rPr>
-              <a:t>Week5, Example9</a:t>
+              <a:t># Week5, Program9</a:t>
             </a:r>
           </a:p>
           <a:p>
@@ -13198,19 +13109,8 @@
                 <a:latin typeface="Courier New" panose="02070309020205020404" pitchFamily="49" charset="0"/>
                 <a:cs typeface="Courier New" panose="02070309020205020404" pitchFamily="49" charset="0"/>
               </a:rPr>
-              <a:t># </a:t>
-            </a:r>
-            <a:r>
-              <a:rPr lang="en-GB" sz="1400" dirty="0" smtClean="0">
-                <a:latin typeface="Courier New" panose="02070309020205020404" pitchFamily="49" charset="0"/>
-                <a:cs typeface="Courier New" panose="02070309020205020404" pitchFamily="49" charset="0"/>
-              </a:rPr>
-              <a:t>Replace or open a file for writing.</a:t>
-            </a:r>
-            <a:endParaRPr lang="en-GB" sz="1400" dirty="0">
-              <a:latin typeface="Courier New" panose="02070309020205020404" pitchFamily="49" charset="0"/>
-              <a:cs typeface="Courier New" panose="02070309020205020404" pitchFamily="49" charset="0"/>
-            </a:endParaRPr>
+              <a:t># Replace or open a file for writing.</a:t>
+            </a:r>
           </a:p>
           <a:p>
             <a:r>
@@ -13344,10 +13244,9 @@
           <a:lstStyle/>
           <a:p>
             <a:r>
-              <a:rPr lang="en-GB" dirty="0" smtClean="0"/>
+              <a:rPr lang="en-GB" dirty="0"/>
               <a:t>Appending to a file.</a:t>
             </a:r>
-            <a:endParaRPr lang="en-GB" dirty="0"/>
           </a:p>
         </p:txBody>
       </p:sp>
@@ -13600,24 +13499,24 @@
             </a:lvl9pPr>
           </a:lstStyle>
           <a:p>
-            <a:endParaRPr lang="en-GB" dirty="0" smtClean="0"/>
+            <a:endParaRPr lang="en-GB" dirty="0"/>
           </a:p>
           <a:p>
             <a:pPr marL="0" indent="0">
               <a:buFont typeface="Wingdings 3" charset="2"/>
               <a:buNone/>
             </a:pPr>
-            <a:endParaRPr lang="en-GB" dirty="0" smtClean="0"/>
-          </a:p>
-          <a:p>
-            <a:endParaRPr lang="en-GB" dirty="0" smtClean="0"/>
+            <a:endParaRPr lang="en-GB" dirty="0"/>
+          </a:p>
+          <a:p>
+            <a:endParaRPr lang="en-GB" dirty="0"/>
           </a:p>
           <a:p>
             <a:pPr marL="0" indent="0">
               <a:buFont typeface="Wingdings 3" charset="2"/>
               <a:buNone/>
             </a:pPr>
-            <a:endParaRPr lang="en-GB" dirty="0" smtClean="0"/>
+            <a:endParaRPr lang="en-GB" dirty="0"/>
           </a:p>
         </p:txBody>
       </p:sp>
@@ -13871,14 +13770,14 @@
           </a:lstStyle>
           <a:p>
             <a:r>
-              <a:rPr lang="en-GB" dirty="0" smtClean="0"/>
+              <a:rPr lang="en-GB" dirty="0"/>
               <a:t>This program will append </a:t>
             </a:r>
             <a:br>
-              <a:rPr lang="en-GB" dirty="0" smtClean="0"/>
+              <a:rPr lang="en-GB" dirty="0"/>
             </a:br>
             <a:r>
-              <a:rPr lang="en-GB" dirty="0" smtClean="0"/>
+              <a:rPr lang="en-GB" dirty="0"/>
               <a:t>(add to) an existing file.</a:t>
             </a:r>
           </a:p>
@@ -13887,7 +13786,7 @@
               <a:buFont typeface="Wingdings 3" charset="2"/>
               <a:buNone/>
             </a:pPr>
-            <a:endParaRPr lang="en-GB" dirty="0" smtClean="0"/>
+            <a:endParaRPr lang="en-GB" dirty="0"/>
           </a:p>
         </p:txBody>
       </p:sp>
@@ -14141,7 +14040,7 @@
           </a:lstStyle>
           <a:p>
             <a:r>
-              <a:rPr lang="en-GB" b="1" dirty="0" smtClean="0">
+              <a:rPr lang="en-GB" b="1" dirty="0">
                 <a:solidFill>
                   <a:srgbClr val="FFFF00"/>
                 </a:solidFill>
@@ -14149,7 +14048,7 @@
               <a:t>Task: </a:t>
             </a:r>
             <a:r>
-              <a:rPr lang="en-GB" dirty="0" smtClean="0">
+              <a:rPr lang="en-GB" dirty="0">
                 <a:solidFill>
                   <a:srgbClr val="FFFF00"/>
                 </a:solidFill>
@@ -14159,7 +14058,7 @@
           </a:p>
           <a:p>
             <a:r>
-              <a:rPr lang="en-GB" dirty="0" smtClean="0">
+              <a:rPr lang="en-GB" dirty="0">
                 <a:solidFill>
                   <a:srgbClr val="FFFF00"/>
                 </a:solidFill>
@@ -14191,18 +14090,11 @@
           <a:lstStyle/>
           <a:p>
             <a:r>
-              <a:rPr lang="en-GB" sz="1400" dirty="0" smtClean="0">
-                <a:latin typeface="Courier New" panose="02070309020205020404" pitchFamily="49" charset="0"/>
-                <a:cs typeface="Courier New" panose="02070309020205020404" pitchFamily="49" charset="0"/>
-              </a:rPr>
-              <a:t># </a:t>
-            </a:r>
-            <a:r>
               <a:rPr lang="en-GB" sz="1400" dirty="0">
                 <a:latin typeface="Courier New" panose="02070309020205020404" pitchFamily="49" charset="0"/>
                 <a:cs typeface="Courier New" panose="02070309020205020404" pitchFamily="49" charset="0"/>
               </a:rPr>
-              <a:t>Week5, Example10</a:t>
+              <a:t># Week5, Program10</a:t>
             </a:r>
           </a:p>
           <a:p>
@@ -14217,15 +14109,26 @@
                 <a:latin typeface="Courier New" panose="02070309020205020404" pitchFamily="49" charset="0"/>
                 <a:cs typeface="Courier New" panose="02070309020205020404" pitchFamily="49" charset="0"/>
               </a:rPr>
-              <a:t># </a:t>
-            </a:r>
-            <a:r>
-              <a:rPr lang="en-GB" sz="1400" dirty="0" smtClean="0">
-                <a:latin typeface="Courier New" panose="02070309020205020404" pitchFamily="49" charset="0"/>
-                <a:cs typeface="Courier New" panose="02070309020205020404" pitchFamily="49" charset="0"/>
-              </a:rPr>
-              <a:t>Open a file for appending.</a:t>
-            </a:r>
+              <a:t># Open a file for appending.</a:t>
+            </a:r>
+          </a:p>
+          <a:p>
+            <a:r>
+              <a:rPr lang="en-GB" sz="1400" dirty="0" err="1">
+                <a:latin typeface="Courier New" panose="02070309020205020404" pitchFamily="49" charset="0"/>
+                <a:cs typeface="Courier New" panose="02070309020205020404" pitchFamily="49" charset="0"/>
+              </a:rPr>
+              <a:t>yourfile</a:t>
+            </a:r>
+            <a:r>
+              <a:rPr lang="en-GB" sz="1400" dirty="0">
+                <a:latin typeface="Courier New" panose="02070309020205020404" pitchFamily="49" charset="0"/>
+                <a:cs typeface="Courier New" panose="02070309020205020404" pitchFamily="49" charset="0"/>
+              </a:rPr>
+              <a:t> = open("helloworld.txt", "a")</a:t>
+            </a:r>
+          </a:p>
+          <a:p>
             <a:endParaRPr lang="en-GB" sz="1400" dirty="0">
               <a:latin typeface="Courier New" panose="02070309020205020404" pitchFamily="49" charset="0"/>
               <a:cs typeface="Courier New" panose="02070309020205020404" pitchFamily="49" charset="0"/>
@@ -14233,82 +14136,56 @@
           </a:p>
           <a:p>
             <a:r>
+              <a:rPr lang="en-GB" sz="1400" dirty="0">
+                <a:latin typeface="Courier New" panose="02070309020205020404" pitchFamily="49" charset="0"/>
+                <a:cs typeface="Courier New" panose="02070309020205020404" pitchFamily="49" charset="0"/>
+              </a:rPr>
+              <a:t># Write to it.</a:t>
+            </a:r>
+          </a:p>
+          <a:p>
+            <a:r>
               <a:rPr lang="en-GB" sz="1400" dirty="0" err="1">
                 <a:latin typeface="Courier New" panose="02070309020205020404" pitchFamily="49" charset="0"/>
                 <a:cs typeface="Courier New" panose="02070309020205020404" pitchFamily="49" charset="0"/>
               </a:rPr>
-              <a:t>yourfile</a:t>
+              <a:t>yourfile.write</a:t>
             </a:r>
             <a:r>
               <a:rPr lang="en-GB" sz="1400" dirty="0">
                 <a:latin typeface="Courier New" panose="02070309020205020404" pitchFamily="49" charset="0"/>
                 <a:cs typeface="Courier New" panose="02070309020205020404" pitchFamily="49" charset="0"/>
               </a:rPr>
-              <a:t> = open("helloworld.txt", "a")</a:t>
-            </a:r>
-          </a:p>
-          <a:p>
-            <a:endParaRPr lang="en-GB" sz="1400" dirty="0">
-              <a:latin typeface="Courier New" panose="02070309020205020404" pitchFamily="49" charset="0"/>
-              <a:cs typeface="Courier New" panose="02070309020205020404" pitchFamily="49" charset="0"/>
-            </a:endParaRPr>
-          </a:p>
-          <a:p>
+              <a:t>("</a:t>
+            </a:r>
+            <a:r>
+              <a:rPr lang="en-GB" sz="1400" dirty="0" err="1">
+                <a:latin typeface="Courier New" panose="02070309020205020404" pitchFamily="49" charset="0"/>
+                <a:cs typeface="Courier New" panose="02070309020205020404" pitchFamily="49" charset="0"/>
+              </a:rPr>
+              <a:t>Hola</a:t>
+            </a:r>
             <a:r>
               <a:rPr lang="en-GB" sz="1400" dirty="0">
                 <a:latin typeface="Courier New" panose="02070309020205020404" pitchFamily="49" charset="0"/>
                 <a:cs typeface="Courier New" panose="02070309020205020404" pitchFamily="49" charset="0"/>
               </a:rPr>
-              <a:t># Write to it.</a:t>
-            </a:r>
-          </a:p>
-          <a:p>
+              <a:t> </a:t>
+            </a:r>
             <a:r>
               <a:rPr lang="en-GB" sz="1400" dirty="0" err="1">
                 <a:latin typeface="Courier New" panose="02070309020205020404" pitchFamily="49" charset="0"/>
                 <a:cs typeface="Courier New" panose="02070309020205020404" pitchFamily="49" charset="0"/>
               </a:rPr>
-              <a:t>yourfile.write</a:t>
+              <a:t>mundo</a:t>
             </a:r>
             <a:r>
               <a:rPr lang="en-GB" sz="1400" dirty="0">
                 <a:latin typeface="Courier New" panose="02070309020205020404" pitchFamily="49" charset="0"/>
                 <a:cs typeface="Courier New" panose="02070309020205020404" pitchFamily="49" charset="0"/>
               </a:rPr>
-              <a:t>("</a:t>
-            </a:r>
-            <a:r>
-              <a:rPr lang="en-GB" sz="1400" dirty="0" err="1">
-                <a:latin typeface="Courier New" panose="02070309020205020404" pitchFamily="49" charset="0"/>
-                <a:cs typeface="Courier New" panose="02070309020205020404" pitchFamily="49" charset="0"/>
-              </a:rPr>
-              <a:t>Hola</a:t>
-            </a:r>
-            <a:r>
-              <a:rPr lang="en-GB" sz="1400" dirty="0">
-                <a:latin typeface="Courier New" panose="02070309020205020404" pitchFamily="49" charset="0"/>
-                <a:cs typeface="Courier New" panose="02070309020205020404" pitchFamily="49" charset="0"/>
-              </a:rPr>
-              <a:t> </a:t>
-            </a:r>
-            <a:r>
-              <a:rPr lang="en-GB" sz="1400" dirty="0" err="1" smtClean="0">
-                <a:latin typeface="Courier New" panose="02070309020205020404" pitchFamily="49" charset="0"/>
-                <a:cs typeface="Courier New" panose="02070309020205020404" pitchFamily="49" charset="0"/>
-              </a:rPr>
-              <a:t>mundo</a:t>
-            </a:r>
-            <a:r>
-              <a:rPr lang="en-GB" sz="1400" dirty="0" smtClean="0">
-                <a:latin typeface="Courier New" panose="02070309020205020404" pitchFamily="49" charset="0"/>
-                <a:cs typeface="Courier New" panose="02070309020205020404" pitchFamily="49" charset="0"/>
-              </a:rPr>
               <a:t> !")</a:t>
             </a:r>
-            <a:endParaRPr lang="en-GB" sz="1400" dirty="0">
-              <a:latin typeface="Courier New" panose="02070309020205020404" pitchFamily="49" charset="0"/>
-              <a:cs typeface="Courier New" panose="02070309020205020404" pitchFamily="49" charset="0"/>
-            </a:endParaRPr>
           </a:p>
           <a:p>
             <a:endParaRPr lang="en-GB" sz="1400" dirty="0">
@@ -14395,10 +14272,9 @@
           <a:lstStyle/>
           <a:p>
             <a:r>
-              <a:rPr lang="en-GB" dirty="0" smtClean="0"/>
+              <a:rPr lang="en-GB" dirty="0"/>
               <a:t>Reading from a file</a:t>
             </a:r>
-            <a:endParaRPr lang="en-GB" dirty="0"/>
           </a:p>
         </p:txBody>
       </p:sp>
@@ -14651,24 +14527,24 @@
             </a:lvl9pPr>
           </a:lstStyle>
           <a:p>
-            <a:endParaRPr lang="en-GB" dirty="0" smtClean="0"/>
+            <a:endParaRPr lang="en-GB" dirty="0"/>
           </a:p>
           <a:p>
             <a:pPr marL="0" indent="0">
               <a:buFont typeface="Wingdings 3" charset="2"/>
               <a:buNone/>
             </a:pPr>
-            <a:endParaRPr lang="en-GB" dirty="0" smtClean="0"/>
-          </a:p>
-          <a:p>
-            <a:endParaRPr lang="en-GB" dirty="0" smtClean="0"/>
+            <a:endParaRPr lang="en-GB" dirty="0"/>
+          </a:p>
+          <a:p>
+            <a:endParaRPr lang="en-GB" dirty="0"/>
           </a:p>
           <a:p>
             <a:pPr marL="0" indent="0">
               <a:buFont typeface="Wingdings 3" charset="2"/>
               <a:buNone/>
             </a:pPr>
-            <a:endParaRPr lang="en-GB" dirty="0" smtClean="0"/>
+            <a:endParaRPr lang="en-GB" dirty="0"/>
           </a:p>
         </p:txBody>
       </p:sp>
@@ -14922,25 +14798,25 @@
           </a:lstStyle>
           <a:p>
             <a:r>
-              <a:rPr lang="en-GB" dirty="0" smtClean="0"/>
+              <a:rPr lang="en-GB" dirty="0"/>
               <a:t>This is similar to what you have just been doing, but also a little different.</a:t>
             </a:r>
           </a:p>
           <a:p>
             <a:r>
-              <a:rPr lang="en-GB" dirty="0" smtClean="0"/>
+              <a:rPr lang="en-GB" dirty="0"/>
               <a:t>You still open the file like before.</a:t>
             </a:r>
           </a:p>
           <a:p>
             <a:r>
-              <a:rPr lang="en-GB" dirty="0" smtClean="0"/>
+              <a:rPr lang="en-GB" dirty="0"/>
               <a:t>But you read from it in one of several ways.</a:t>
             </a:r>
           </a:p>
           <a:p>
             <a:r>
-              <a:rPr lang="en-GB" dirty="0" smtClean="0"/>
+              <a:rPr lang="en-GB" dirty="0"/>
               <a:t>The example on the right shows multiple ways of achieving similar things.</a:t>
             </a:r>
           </a:p>
@@ -14949,7 +14825,7 @@
               <a:buFont typeface="Wingdings 3" charset="2"/>
               <a:buNone/>
             </a:pPr>
-            <a:endParaRPr lang="en-GB" dirty="0" smtClean="0"/>
+            <a:endParaRPr lang="en-GB" dirty="0"/>
           </a:p>
         </p:txBody>
       </p:sp>
@@ -15203,7 +15079,7 @@
           </a:lstStyle>
           <a:p>
             <a:r>
-              <a:rPr lang="en-GB" b="1" dirty="0" smtClean="0">
+              <a:rPr lang="en-GB" b="1" dirty="0">
                 <a:solidFill>
                   <a:srgbClr val="FFFF00"/>
                 </a:solidFill>
@@ -15211,7 +15087,7 @@
               <a:t>Task: </a:t>
             </a:r>
             <a:r>
-              <a:rPr lang="en-GB" dirty="0" smtClean="0">
+              <a:rPr lang="en-GB" dirty="0">
                 <a:solidFill>
                   <a:srgbClr val="FFFF00"/>
                 </a:solidFill>
@@ -15221,7 +15097,7 @@
           </a:p>
           <a:p>
             <a:r>
-              <a:rPr lang="en-GB" dirty="0" smtClean="0">
+              <a:rPr lang="en-GB" dirty="0">
                 <a:solidFill>
                   <a:srgbClr val="FFFF00"/>
                 </a:solidFill>
@@ -15253,18 +15129,11 @@
           <a:lstStyle/>
           <a:p>
             <a:r>
-              <a:rPr lang="en-GB" sz="1200" dirty="0" smtClean="0">
-                <a:latin typeface="Courier New" panose="02070309020205020404" pitchFamily="49" charset="0"/>
-                <a:cs typeface="Courier New" panose="02070309020205020404" pitchFamily="49" charset="0"/>
-              </a:rPr>
-              <a:t># </a:t>
-            </a:r>
-            <a:r>
               <a:rPr lang="en-GB" sz="1200" dirty="0">
                 <a:latin typeface="Courier New" panose="02070309020205020404" pitchFamily="49" charset="0"/>
                 <a:cs typeface="Courier New" panose="02070309020205020404" pitchFamily="49" charset="0"/>
               </a:rPr>
-              <a:t>Week5, Example11</a:t>
+              <a:t># Week5, Program11</a:t>
             </a:r>
           </a:p>
           <a:p>
@@ -15817,7 +15686,7 @@
               <a:buNone/>
             </a:pPr>
             <a:r>
-              <a:rPr lang="en-GB" dirty="0" smtClean="0">
+              <a:rPr lang="en-GB" dirty="0">
                 <a:solidFill>
                   <a:srgbClr val="FFFF00"/>
                 </a:solidFill>
@@ -15825,7 +15694,7 @@
               <a:t>Tip: There are some </a:t>
             </a:r>
             <a:r>
-              <a:rPr lang="en-GB" dirty="0" err="1" smtClean="0">
+              <a:rPr lang="en-GB" dirty="0" err="1">
                 <a:solidFill>
                   <a:srgbClr val="FFFF00"/>
                 </a:solidFill>
@@ -15833,7 +15702,7 @@
               <a:t>tradeoffs</a:t>
             </a:r>
             <a:r>
-              <a:rPr lang="en-GB" dirty="0" smtClean="0">
+              <a:rPr lang="en-GB" dirty="0">
                 <a:solidFill>
                   <a:srgbClr val="FFFF00"/>
                 </a:solidFill>
@@ -15889,10 +15758,9 @@
           <a:lstStyle/>
           <a:p>
             <a:r>
-              <a:rPr lang="en-GB" dirty="0" smtClean="0"/>
+              <a:rPr lang="en-GB" dirty="0"/>
               <a:t>The newline character.</a:t>
             </a:r>
-            <a:endParaRPr lang="en-GB" dirty="0"/>
           </a:p>
         </p:txBody>
       </p:sp>
@@ -16145,24 +16013,24 @@
             </a:lvl9pPr>
           </a:lstStyle>
           <a:p>
-            <a:endParaRPr lang="en-GB" dirty="0" smtClean="0"/>
+            <a:endParaRPr lang="en-GB" dirty="0"/>
           </a:p>
           <a:p>
             <a:pPr marL="0" indent="0">
               <a:buFont typeface="Wingdings 3" charset="2"/>
               <a:buNone/>
             </a:pPr>
-            <a:endParaRPr lang="en-GB" dirty="0" smtClean="0"/>
-          </a:p>
-          <a:p>
-            <a:endParaRPr lang="en-GB" dirty="0" smtClean="0"/>
+            <a:endParaRPr lang="en-GB" dirty="0"/>
+          </a:p>
+          <a:p>
+            <a:endParaRPr lang="en-GB" dirty="0"/>
           </a:p>
           <a:p>
             <a:pPr marL="0" indent="0">
               <a:buFont typeface="Wingdings 3" charset="2"/>
               <a:buNone/>
             </a:pPr>
-            <a:endParaRPr lang="en-GB" dirty="0" smtClean="0"/>
+            <a:endParaRPr lang="en-GB" dirty="0"/>
           </a:p>
         </p:txBody>
       </p:sp>
@@ -16416,19 +16284,19 @@
           </a:lstStyle>
           <a:p>
             <a:r>
-              <a:rPr lang="en-GB" dirty="0" smtClean="0"/>
+              <a:rPr lang="en-GB" dirty="0"/>
               <a:t>You will have noticed the last example had a newline character.</a:t>
             </a:r>
           </a:p>
           <a:p>
             <a:r>
-              <a:rPr lang="en-GB" dirty="0" smtClean="0"/>
+              <a:rPr lang="en-GB" dirty="0"/>
               <a:t>This is indicated with "\n". It is a special code meaning move to a newline (like when you press enter).</a:t>
             </a:r>
           </a:p>
           <a:p>
             <a:r>
-              <a:rPr lang="en-GB" dirty="0" smtClean="0"/>
+              <a:rPr lang="en-GB" dirty="0"/>
               <a:t>You can use this in print, as in this example.</a:t>
             </a:r>
           </a:p>
@@ -16437,7 +16305,7 @@
               <a:buFont typeface="Wingdings 3" charset="2"/>
               <a:buNone/>
             </a:pPr>
-            <a:endParaRPr lang="en-GB" dirty="0" smtClean="0"/>
+            <a:endParaRPr lang="en-GB" dirty="0"/>
           </a:p>
         </p:txBody>
       </p:sp>
@@ -16691,7 +16559,7 @@
           </a:lstStyle>
           <a:p>
             <a:r>
-              <a:rPr lang="en-GB" b="1" dirty="0" smtClean="0">
+              <a:rPr lang="en-GB" b="1" dirty="0">
                 <a:solidFill>
                   <a:srgbClr val="FFFF00"/>
                 </a:solidFill>
@@ -16699,7 +16567,7 @@
               <a:t>Task: </a:t>
             </a:r>
             <a:r>
-              <a:rPr lang="en-GB" dirty="0" smtClean="0">
+              <a:rPr lang="en-GB" dirty="0">
                 <a:solidFill>
                   <a:srgbClr val="FFFF00"/>
                 </a:solidFill>
@@ -16731,18 +16599,11 @@
           <a:lstStyle/>
           <a:p>
             <a:r>
-              <a:rPr lang="en-GB" sz="1200" dirty="0" smtClean="0">
-                <a:latin typeface="Courier New" panose="02070309020205020404" pitchFamily="49" charset="0"/>
-                <a:cs typeface="Courier New" panose="02070309020205020404" pitchFamily="49" charset="0"/>
-              </a:rPr>
-              <a:t># </a:t>
-            </a:r>
-            <a:r>
               <a:rPr lang="en-GB" sz="1200" dirty="0">
                 <a:latin typeface="Courier New" panose="02070309020205020404" pitchFamily="49" charset="0"/>
                 <a:cs typeface="Courier New" panose="02070309020205020404" pitchFamily="49" charset="0"/>
               </a:rPr>
-              <a:t>Week5, Example12</a:t>
+              <a:t># Week5, Program12</a:t>
             </a:r>
           </a:p>
           <a:p>
@@ -16940,10 +16801,9 @@
           <a:lstStyle/>
           <a:p>
             <a:r>
-              <a:rPr lang="en-GB" b="1" dirty="0" smtClean="0"/>
+              <a:rPr lang="en-GB" b="1" dirty="0"/>
               <a:t>Homework.</a:t>
             </a:r>
-            <a:endParaRPr lang="en-GB" b="1" dirty="0"/>
           </a:p>
         </p:txBody>
       </p:sp>
@@ -17034,10 +16894,9 @@
           <a:lstStyle/>
           <a:p>
             <a:r>
-              <a:rPr lang="en-GB" dirty="0" smtClean="0"/>
+              <a:rPr lang="en-GB" dirty="0"/>
               <a:t>Homework </a:t>
             </a:r>
-            <a:endParaRPr lang="en-GB" dirty="0"/>
           </a:p>
         </p:txBody>
       </p:sp>
@@ -17057,16 +16916,16 @@
           <a:lstStyle/>
           <a:p>
             <a:r>
-              <a:rPr lang="en-GB" dirty="0" smtClean="0"/>
+              <a:rPr lang="en-GB" dirty="0"/>
               <a:t>This week, the homework is going to be a little different.</a:t>
             </a:r>
           </a:p>
           <a:p>
-            <a:endParaRPr lang="en-GB" dirty="0" smtClean="0"/>
-          </a:p>
-          <a:p>
-            <a:r>
-              <a:rPr lang="en-GB" dirty="0" smtClean="0"/>
+            <a:endParaRPr lang="en-GB" dirty="0"/>
+          </a:p>
+          <a:p>
+            <a:r>
+              <a:rPr lang="en-GB" dirty="0"/>
               <a:t>To start with, we will have similar things to previous weeks.</a:t>
             </a:r>
           </a:p>
@@ -17075,7 +16934,7 @@
           </a:p>
           <a:p>
             <a:r>
-              <a:rPr lang="en-GB" dirty="0" smtClean="0"/>
+              <a:rPr lang="en-GB" dirty="0"/>
               <a:t>Then we will write a program that simulates rolling multiple dice, and shows which numbers are the most common when rolling them.</a:t>
             </a:r>
           </a:p>
@@ -17084,10 +16943,9 @@
           </a:p>
           <a:p>
             <a:r>
-              <a:rPr lang="en-GB" dirty="0" smtClean="0"/>
+              <a:rPr lang="en-GB" dirty="0"/>
               <a:t>Finally, we will write a program which prints all the palindromes in the English language.</a:t>
             </a:r>
-            <a:endParaRPr lang="en-GB" dirty="0"/>
           </a:p>
         </p:txBody>
       </p:sp>
@@ -17137,10 +16995,9 @@
           <a:lstStyle/>
           <a:p>
             <a:r>
-              <a:rPr lang="en-GB" dirty="0" smtClean="0"/>
+              <a:rPr lang="en-GB" dirty="0"/>
               <a:t>Homework 1</a:t>
             </a:r>
-            <a:endParaRPr lang="en-GB" dirty="0"/>
           </a:p>
         </p:txBody>
       </p:sp>
@@ -17167,19 +17024,19 @@
           <a:lstStyle/>
           <a:p>
             <a:r>
-              <a:rPr lang="en-GB" dirty="0" smtClean="0"/>
+              <a:rPr lang="en-GB" dirty="0"/>
               <a:t>Import the random module.</a:t>
             </a:r>
           </a:p>
           <a:p>
             <a:r>
-              <a:rPr lang="en-GB" dirty="0" smtClean="0"/>
+              <a:rPr lang="en-GB" dirty="0"/>
               <a:t>Simulate rolling a 20 sided dice and print the result.</a:t>
             </a:r>
           </a:p>
           <a:p>
             <a:r>
-              <a:rPr lang="en-GB" dirty="0" smtClean="0"/>
+              <a:rPr lang="en-GB" dirty="0"/>
               <a:t>Repeat this 10 times by using a while loop.</a:t>
             </a:r>
           </a:p>
@@ -17188,27 +17045,27 @@
           </a:p>
           <a:p>
             <a:r>
-              <a:rPr lang="en-GB" dirty="0" smtClean="0"/>
+              <a:rPr lang="en-GB" dirty="0"/>
               <a:t>Create a list with the 4 constituent countries of the United Kingdom.</a:t>
             </a:r>
           </a:p>
           <a:p>
             <a:r>
-              <a:rPr lang="en-GB" dirty="0" smtClean="0"/>
+              <a:rPr lang="en-GB" dirty="0"/>
               <a:t>Use </a:t>
             </a:r>
             <a:r>
-              <a:rPr lang="en-GB" dirty="0" err="1" smtClean="0"/>
+              <a:rPr lang="en-GB" dirty="0" err="1"/>
               <a:t>random.choice</a:t>
             </a:r>
             <a:r>
-              <a:rPr lang="en-GB" dirty="0" smtClean="0"/>
+              <a:rPr lang="en-GB" dirty="0"/>
               <a:t>() to select a random country and print it.</a:t>
             </a:r>
           </a:p>
           <a:p>
             <a:r>
-              <a:rPr lang="en-GB" dirty="0" smtClean="0"/>
+              <a:rPr lang="en-GB" dirty="0"/>
               <a:t>Repeat this 10 times by using a while loop.</a:t>
             </a:r>
           </a:p>
@@ -17263,10 +17120,9 @@
           <a:lstStyle/>
           <a:p>
             <a:r>
-              <a:rPr lang="en-GB" dirty="0" smtClean="0"/>
+              <a:rPr lang="en-GB" dirty="0"/>
               <a:t>Homework 2 </a:t>
             </a:r>
-            <a:endParaRPr lang="en-GB" dirty="0"/>
           </a:p>
         </p:txBody>
       </p:sp>
@@ -17286,41 +17142,41 @@
           <a:lstStyle/>
           <a:p>
             <a:r>
-              <a:rPr lang="en-GB" dirty="0" smtClean="0"/>
+              <a:rPr lang="en-GB" dirty="0"/>
               <a:t>Create a dictionary which has the keys as the names of the constituent countries of the United Kingdom, and the values as the names of the capital cities of those countries.</a:t>
             </a:r>
           </a:p>
           <a:p>
-            <a:endParaRPr lang="en-GB" dirty="0" smtClean="0"/>
-          </a:p>
-          <a:p>
-            <a:r>
-              <a:rPr lang="en-GB" dirty="0" smtClean="0"/>
+            <a:endParaRPr lang="en-GB" dirty="0"/>
+          </a:p>
+          <a:p>
+            <a:r>
+              <a:rPr lang="en-GB" dirty="0"/>
               <a:t>By referring the dictionary, print the capital of England.</a:t>
             </a:r>
           </a:p>
           <a:p>
-            <a:endParaRPr lang="en-GB" dirty="0" smtClean="0"/>
-          </a:p>
-          <a:p>
-            <a:r>
-              <a:rPr lang="en-GB" dirty="0" smtClean="0"/>
+            <a:endParaRPr lang="en-GB" dirty="0"/>
+          </a:p>
+          <a:p>
+            <a:r>
+              <a:rPr lang="en-GB" dirty="0"/>
               <a:t>Using a for loop, print </a:t>
             </a:r>
             <a:r>
-              <a:rPr lang="en-GB" dirty="0" smtClean="0">
+              <a:rPr lang="en-GB" dirty="0">
                 <a:latin typeface="Courier New" panose="02070309020205020404" pitchFamily="49" charset="0"/>
                 <a:cs typeface="Courier New" panose="02070309020205020404" pitchFamily="49" charset="0"/>
               </a:rPr>
               <a:t>"The capital of _____ is ____" </a:t>
             </a:r>
             <a:r>
-              <a:rPr lang="en-GB" dirty="0" smtClean="0"/>
+              <a:rPr lang="en-GB" dirty="0"/>
               <a:t>for each country in the UK. </a:t>
             </a:r>
           </a:p>
           <a:p>
-            <a:endParaRPr lang="en-GB" dirty="0" smtClean="0"/>
+            <a:endParaRPr lang="en-GB" dirty="0"/>
           </a:p>
         </p:txBody>
       </p:sp>
@@ -17370,10 +17226,9 @@
           <a:lstStyle/>
           <a:p>
             <a:r>
-              <a:rPr lang="en-GB" dirty="0" smtClean="0"/>
+              <a:rPr lang="en-GB" dirty="0"/>
               <a:t>Homework 3 </a:t>
             </a:r>
-            <a:endParaRPr lang="en-GB" dirty="0"/>
           </a:p>
         </p:txBody>
       </p:sp>
@@ -17395,27 +17250,27 @@
           <a:lstStyle/>
           <a:p>
             <a:r>
-              <a:rPr lang="en-GB" dirty="0" smtClean="0"/>
+              <a:rPr lang="en-GB" dirty="0"/>
               <a:t>Look up the names of the last 5 monarchs (starting with Queen Elizabeth II) of the United Kingdom, and the year they came to the throne.</a:t>
             </a:r>
           </a:p>
           <a:p>
             <a:pPr lvl="1"/>
             <a:r>
-              <a:rPr lang="en-GB" dirty="0" smtClean="0"/>
+              <a:rPr lang="en-GB" dirty="0"/>
               <a:t>Store the names as a string if only one monarch came to the throne in a year.</a:t>
             </a:r>
           </a:p>
           <a:p>
             <a:pPr lvl="1"/>
             <a:r>
-              <a:rPr lang="en-GB" dirty="0" smtClean="0"/>
+              <a:rPr lang="en-GB" dirty="0"/>
               <a:t>Store the names as a list of strings if more than one did.</a:t>
             </a:r>
           </a:p>
           <a:p>
             <a:r>
-              <a:rPr lang="en-GB" dirty="0" smtClean="0"/>
+              <a:rPr lang="en-GB" dirty="0"/>
               <a:t>Make a dictionary with the keys as the years of ascension, and the values as the name of the Monarch.</a:t>
             </a:r>
           </a:p>
@@ -17424,19 +17279,19 @@
           </a:p>
           <a:p>
             <a:r>
-              <a:rPr lang="en-GB" dirty="0" smtClean="0"/>
+              <a:rPr lang="en-GB" dirty="0"/>
               <a:t>Print who came to the throne in 1901.</a:t>
             </a:r>
           </a:p>
           <a:p>
             <a:r>
-              <a:rPr lang="en-GB" dirty="0" smtClean="0"/>
+              <a:rPr lang="en-GB" dirty="0"/>
               <a:t>Print who came to the throne in 1910.</a:t>
             </a:r>
           </a:p>
           <a:p>
             <a:r>
-              <a:rPr lang="en-GB" dirty="0" smtClean="0"/>
+              <a:rPr lang="en-GB" dirty="0"/>
               <a:t>Print who came to the throne in 1936.</a:t>
             </a:r>
           </a:p>
@@ -17488,10 +17343,9 @@
           <a:lstStyle/>
           <a:p>
             <a:r>
-              <a:rPr lang="en-GB" dirty="0" smtClean="0"/>
+              <a:rPr lang="en-GB" dirty="0"/>
               <a:t>Homework 4 </a:t>
             </a:r>
-            <a:endParaRPr lang="en-GB" dirty="0"/>
           </a:p>
         </p:txBody>
       </p:sp>
@@ -17513,13 +17367,13 @@
           <a:lstStyle/>
           <a:p>
             <a:r>
-              <a:rPr lang="en-GB" dirty="0" smtClean="0"/>
+              <a:rPr lang="en-GB" dirty="0"/>
               <a:t>Simulate rolling a normal 6 sided die 500 times.</a:t>
             </a:r>
           </a:p>
           <a:p>
             <a:r>
-              <a:rPr lang="en-GB" dirty="0" smtClean="0"/>
+              <a:rPr lang="en-GB" dirty="0"/>
               <a:t>Write the results of each of these rolls to a file, with each roll on a different line.</a:t>
             </a:r>
           </a:p>
@@ -17528,36 +17382,36 @@
           </a:p>
           <a:p>
             <a:r>
-              <a:rPr lang="en-GB" dirty="0" smtClean="0"/>
+              <a:rPr lang="en-GB" dirty="0"/>
               <a:t>Tips:</a:t>
             </a:r>
           </a:p>
           <a:p>
             <a:pPr lvl="1"/>
             <a:r>
-              <a:rPr lang="en-GB" dirty="0" smtClean="0"/>
+              <a:rPr lang="en-GB" dirty="0"/>
               <a:t>You can only write strings to files. You can use format strings in </a:t>
             </a:r>
             <a:r>
-              <a:rPr lang="en-GB" u="sng" dirty="0" err="1" smtClean="0">
+              <a:rPr lang="en-GB" u="sng" dirty="0" err="1">
                 <a:latin typeface="Courier New" panose="02070309020205020404" pitchFamily="49" charset="0"/>
                 <a:cs typeface="Courier New" panose="02070309020205020404" pitchFamily="49" charset="0"/>
               </a:rPr>
               <a:t>file.write</a:t>
             </a:r>
             <a:r>
-              <a:rPr lang="en-GB" u="sng" dirty="0" smtClean="0">
+              <a:rPr lang="en-GB" u="sng" dirty="0">
                 <a:latin typeface="Courier New" panose="02070309020205020404" pitchFamily="49" charset="0"/>
                 <a:cs typeface="Courier New" panose="02070309020205020404" pitchFamily="49" charset="0"/>
               </a:rPr>
               <a:t>()</a:t>
             </a:r>
             <a:r>
-              <a:rPr lang="en-GB" dirty="0" smtClean="0"/>
+              <a:rPr lang="en-GB" dirty="0"/>
               <a:t> just like you can in </a:t>
             </a:r>
             <a:r>
-              <a:rPr lang="en-GB" u="sng" dirty="0" smtClean="0">
+              <a:rPr lang="en-GB" u="sng" dirty="0">
                 <a:latin typeface="Courier New" panose="02070309020205020404" pitchFamily="49" charset="0"/>
                 <a:cs typeface="Courier New" panose="02070309020205020404" pitchFamily="49" charset="0"/>
               </a:rPr>
@@ -17568,13 +17422,8 @@
             <a:pPr lvl="1"/>
             <a:r>
               <a:rPr lang="en-GB" dirty="0"/>
-              <a:t>Remember how to </a:t>
-            </a:r>
-            <a:r>
-              <a:rPr lang="en-GB" dirty="0" smtClean="0"/>
-              <a:t>add new lines.</a:t>
-            </a:r>
-            <a:endParaRPr lang="en-GB" dirty="0"/>
+              <a:t>Remember how to add new lines.</a:t>
+            </a:r>
           </a:p>
         </p:txBody>
       </p:sp>
@@ -17629,10 +17478,9 @@
           <a:lstStyle/>
           <a:p>
             <a:r>
-              <a:rPr lang="en-GB" b="1" dirty="0" smtClean="0"/>
+              <a:rPr lang="en-GB" b="1" dirty="0"/>
               <a:t>Modules, and the random module.</a:t>
             </a:r>
-            <a:endParaRPr lang="en-GB" b="1" dirty="0"/>
           </a:p>
         </p:txBody>
       </p:sp>
@@ -17723,10 +17571,9 @@
           <a:lstStyle/>
           <a:p>
             <a:r>
-              <a:rPr lang="en-GB" dirty="0" smtClean="0"/>
+              <a:rPr lang="en-GB" dirty="0"/>
               <a:t>Homework 5: Rolling 2 million dice !</a:t>
             </a:r>
-            <a:endParaRPr lang="en-GB" dirty="0"/>
           </a:p>
         </p:txBody>
       </p:sp>
@@ -17746,19 +17593,19 @@
           <a:lstStyle/>
           <a:p>
             <a:r>
-              <a:rPr lang="en-GB" dirty="0" smtClean="0"/>
-              <a:t>This is a little more complicated that previous homework assignments.</a:t>
-            </a:r>
-          </a:p>
-          <a:p>
-            <a:r>
-              <a:rPr lang="en-GB" dirty="0" smtClean="0"/>
+              <a:rPr lang="en-GB" dirty="0"/>
+              <a:t>This is a little more complicated than previous homework assignments.</a:t>
+            </a:r>
+          </a:p>
+          <a:p>
+            <a:r>
+              <a:rPr lang="en-GB" dirty="0"/>
               <a:t>There are multiple ways to do this.</a:t>
             </a:r>
           </a:p>
           <a:p>
             <a:r>
-              <a:rPr lang="en-GB" dirty="0" smtClean="0"/>
+              <a:rPr lang="en-GB" dirty="0"/>
               <a:t>Don't be afraid to ask for help if you are struggling, but show what you have already done and try and ask specific questions about what you need help with rather than just "how do I do it ?".</a:t>
             </a:r>
           </a:p>
@@ -17816,10 +17663,9 @@
           <a:lstStyle/>
           <a:p>
             <a:r>
-              <a:rPr lang="en-GB" dirty="0" smtClean="0"/>
+              <a:rPr lang="en-GB" dirty="0"/>
               <a:t>Homework 5: Rolling 2 million dice !</a:t>
             </a:r>
-            <a:endParaRPr lang="en-GB" dirty="0"/>
           </a:p>
         </p:txBody>
       </p:sp>
@@ -17841,8 +17687,8 @@
           <a:lstStyle/>
           <a:p>
             <a:r>
-              <a:rPr lang="en-GB" dirty="0" smtClean="0"/>
-              <a:t>Create a dictionary with keys form 2 to 12, and values set to 0 for all these things.</a:t>
+              <a:rPr lang="en-GB" dirty="0"/>
+              <a:t>Create a dictionary with keys from 2 to 12, and values set to 0 for all these things.</a:t>
             </a:r>
           </a:p>
           <a:p>
@@ -17850,25 +17696,25 @@
           </a:p>
           <a:p>
             <a:r>
-              <a:rPr lang="en-GB" dirty="0" smtClean="0"/>
+              <a:rPr lang="en-GB" dirty="0"/>
               <a:t>Simulate rolling 2 normal six sided dice.</a:t>
             </a:r>
           </a:p>
           <a:p>
             <a:r>
-              <a:rPr lang="en-GB" dirty="0" smtClean="0"/>
+              <a:rPr lang="en-GB" dirty="0"/>
               <a:t>Add the results together to get a number between 2 and 12.</a:t>
             </a:r>
           </a:p>
           <a:p>
             <a:r>
-              <a:rPr lang="en-GB" dirty="0" smtClean="0"/>
+              <a:rPr lang="en-GB" dirty="0"/>
               <a:t>Add 1 to the value of the dictionary which has the key.</a:t>
             </a:r>
           </a:p>
           <a:p>
             <a:r>
-              <a:rPr lang="en-GB" dirty="0" smtClean="0"/>
+              <a:rPr lang="en-GB" dirty="0"/>
               <a:t>Repeat the above 1 million times !</a:t>
             </a:r>
           </a:p>
@@ -17877,13 +17723,13 @@
           </a:p>
           <a:p>
             <a:r>
-              <a:rPr lang="en-GB" dirty="0" smtClean="0"/>
+              <a:rPr lang="en-GB" dirty="0"/>
               <a:t>Finally, print how many of each number you got.</a:t>
             </a:r>
           </a:p>
           <a:p>
             <a:r>
-              <a:rPr lang="en-GB" dirty="0" smtClean="0">
+              <a:rPr lang="en-GB" dirty="0">
                 <a:solidFill>
                   <a:srgbClr val="FFFF00"/>
                 </a:solidFill>
@@ -17945,10 +17791,9 @@
           <a:lstStyle/>
           <a:p>
             <a:r>
-              <a:rPr lang="en-GB" dirty="0" smtClean="0"/>
+              <a:rPr lang="en-GB" dirty="0"/>
               <a:t>Homework 6: Finding the Palindromes</a:t>
             </a:r>
-            <a:endParaRPr lang="en-GB" dirty="0"/>
           </a:p>
         </p:txBody>
       </p:sp>
@@ -17970,75 +17815,40 @@
           <a:lstStyle/>
           <a:p>
             <a:r>
-              <a:rPr lang="en-GB" dirty="0" smtClean="0"/>
+              <a:rPr lang="en-GB" dirty="0"/>
               <a:t>To complete this task, you will need an English wordlist.</a:t>
             </a:r>
           </a:p>
           <a:p>
             <a:r>
-              <a:rPr lang="en-GB" dirty="0" smtClean="0"/>
+              <a:rPr lang="en-GB" dirty="0"/>
               <a:t>You can download words.txt from this link: </a:t>
-            </a:r>
-            <a:r>
-              <a:rPr lang="en-GB" dirty="0" smtClean="0">
-                <a:hlinkClick r:id="rId2"/>
-              </a:rPr>
-              <a:t>https://</a:t>
             </a:r>
             <a:r>
               <a:rPr lang="en-GB" dirty="0">
                 <a:hlinkClick r:id="rId2"/>
               </a:rPr>
-              <a:t>bit.ly/2FmZ4PN</a:t>
-            </a:r>
-            <a:endParaRPr lang="en-GB" dirty="0" smtClean="0"/>
-          </a:p>
-          <a:p>
-            <a:endParaRPr lang="en-GB" dirty="0" smtClean="0"/>
-          </a:p>
-          <a:p>
-            <a:r>
-              <a:rPr lang="en-GB" dirty="0" smtClean="0"/>
+              <a:t>https://bit.ly/2FmZ4PN</a:t>
+            </a:r>
+            <a:endParaRPr lang="en-GB" dirty="0"/>
+          </a:p>
+          <a:p>
+            <a:endParaRPr lang="en-GB" dirty="0"/>
+          </a:p>
+          <a:p>
+            <a:r>
+              <a:rPr lang="en-GB" dirty="0"/>
               <a:t>Remember to download this file into the same directory you have your program in. Get help with this if you need it.</a:t>
             </a:r>
-            <a:endParaRPr lang="en-GB" dirty="0"/>
-          </a:p>
-          <a:p>
-            <a:r>
-              <a:rPr lang="en-GB" dirty="0" smtClean="0">
+          </a:p>
+          <a:p>
+            <a:r>
+              <a:rPr lang="en-GB" dirty="0">
                 <a:solidFill>
                   <a:srgbClr val="FFFF00"/>
                 </a:solidFill>
               </a:rPr>
-              <a:t>Tip: Remember to strip off the newline </a:t>
-            </a:r>
-            <a:r>
-              <a:rPr lang="en-GB" dirty="0" smtClean="0">
-                <a:solidFill>
-                  <a:srgbClr val="FFFF00"/>
-                </a:solidFill>
-              </a:rPr>
-              <a:t>!</a:t>
-            </a:r>
-          </a:p>
-          <a:p>
-            <a:endParaRPr lang="en-GB" dirty="0" smtClean="0">
-              <a:solidFill>
-                <a:srgbClr val="FFFF00"/>
-              </a:solidFill>
-            </a:endParaRPr>
-          </a:p>
-          <a:p>
-            <a:r>
-              <a:rPr lang="en-GB" dirty="0" smtClean="0"/>
-              <a:t>Your task is to find all the palindromes in that word list.</a:t>
-            </a:r>
-          </a:p>
-          <a:p>
-            <a:pPr lvl="1"/>
-            <a:r>
-              <a:rPr lang="en-GB" i="1" dirty="0"/>
-              <a:t>If you don't know what a palindrome is, look it up on the internet or in a dictionary.</a:t>
+              <a:t>Tip: Remember to strip off the newline !</a:t>
             </a:r>
           </a:p>
           <a:p>
@@ -18047,6 +17857,19 @@
                 <a:srgbClr val="FFFF00"/>
               </a:solidFill>
             </a:endParaRPr>
+          </a:p>
+          <a:p>
+            <a:r>
+              <a:rPr lang="en-GB" dirty="0"/>
+              <a:t>Your task is to find all the palindromes in that word list.</a:t>
+            </a:r>
+          </a:p>
+          <a:p>
+            <a:pPr lvl="1"/>
+            <a:r>
+              <a:rPr lang="en-GB" i="1" dirty="0"/>
+              <a:t>If you don't know what a palindrome is, look it up on the internet or in a dictionary.</a:t>
+            </a:r>
           </a:p>
           <a:p>
             <a:endParaRPr lang="en-GB" dirty="0"/>
@@ -18104,10 +17927,9 @@
           <a:lstStyle/>
           <a:p>
             <a:r>
-              <a:rPr lang="en-GB" b="1" dirty="0" smtClean="0"/>
+              <a:rPr lang="en-GB" b="1" dirty="0"/>
               <a:t>Next Week.</a:t>
             </a:r>
-            <a:endParaRPr lang="en-GB" b="1" dirty="0"/>
           </a:p>
         </p:txBody>
       </p:sp>
@@ -18198,10 +18020,9 @@
           <a:lstStyle/>
           <a:p>
             <a:r>
-              <a:rPr lang="en-GB" dirty="0" smtClean="0"/>
+              <a:rPr lang="en-GB" dirty="0"/>
               <a:t>Next Week. </a:t>
             </a:r>
-            <a:endParaRPr lang="en-GB" dirty="0"/>
           </a:p>
         </p:txBody>
       </p:sp>
@@ -18221,7 +18042,7 @@
           <a:lstStyle/>
           <a:p>
             <a:r>
-              <a:rPr lang="en-GB" dirty="0" smtClean="0"/>
+              <a:rPr lang="en-GB" dirty="0"/>
               <a:t>We will learn to install libraries from the internet.</a:t>
             </a:r>
           </a:p>
@@ -18230,7 +18051,7 @@
           </a:p>
           <a:p>
             <a:r>
-              <a:rPr lang="en-GB" dirty="0" smtClean="0"/>
+              <a:rPr lang="en-GB" dirty="0"/>
               <a:t>We will learn to make simple images.</a:t>
             </a:r>
           </a:p>
@@ -18239,12 +18060,8 @@
           </a:p>
           <a:p>
             <a:r>
-              <a:rPr lang="en-GB" dirty="0" smtClean="0"/>
-              <a:t>We will implement the Chaos </a:t>
-            </a:r>
-            <a:r>
               <a:rPr lang="en-GB" dirty="0"/>
-              <a:t>game (</a:t>
+              <a:t>We will implement the Chaos game (</a:t>
             </a:r>
             <a:r>
               <a:rPr lang="en-GB" dirty="0" err="1"/>
@@ -18252,17 +18069,13 @@
             </a:r>
             <a:r>
               <a:rPr lang="en-GB" dirty="0"/>
-              <a:t> </a:t>
-            </a:r>
-            <a:r>
-              <a:rPr lang="en-GB" dirty="0" smtClean="0"/>
-              <a:t>triangles).</a:t>
+              <a:t> triangles).</a:t>
             </a:r>
           </a:p>
           <a:p>
             <a:pPr lvl="1"/>
             <a:r>
-              <a:rPr lang="en-GB" dirty="0" smtClean="0"/>
+              <a:rPr lang="en-GB" dirty="0"/>
               <a:t>Watch this video to learn more.</a:t>
             </a:r>
           </a:p>
@@ -18272,15 +18085,9 @@
               <a:rPr lang="en-GB" dirty="0">
                 <a:hlinkClick r:id="rId2"/>
               </a:rPr>
-              <a:t>https://</a:t>
-            </a:r>
-            <a:r>
-              <a:rPr lang="en-GB" dirty="0" smtClean="0">
-                <a:hlinkClick r:id="rId2"/>
-              </a:rPr>
-              <a:t>www.youtube.com/watch?v=kbKtFN71Lfs</a:t>
-            </a:r>
-            <a:endParaRPr lang="en-GB" dirty="0" smtClean="0"/>
+              <a:t>https://www.youtube.com/watch?v=kbKtFN71Lfs</a:t>
+            </a:r>
+            <a:endParaRPr lang="en-GB" dirty="0"/>
           </a:p>
         </p:txBody>
       </p:sp>
@@ -18330,10 +18137,9 @@
           <a:lstStyle/>
           <a:p>
             <a:r>
-              <a:rPr lang="en-GB" dirty="0" smtClean="0"/>
+              <a:rPr lang="en-GB" dirty="0"/>
               <a:t>What are modules ?</a:t>
             </a:r>
-            <a:endParaRPr lang="en-GB" dirty="0"/>
           </a:p>
         </p:txBody>
       </p:sp>
@@ -18355,13 +18161,13 @@
           <a:lstStyle/>
           <a:p>
             <a:r>
-              <a:rPr lang="en-GB" dirty="0" smtClean="0"/>
+              <a:rPr lang="en-GB" dirty="0"/>
               <a:t>So far, everything we have done is with the basic Python programming language.</a:t>
             </a:r>
           </a:p>
           <a:p>
             <a:r>
-              <a:rPr lang="en-GB" dirty="0" smtClean="0"/>
+              <a:rPr lang="en-GB" dirty="0"/>
               <a:t>We will eventually learn all these basic language features.</a:t>
             </a:r>
           </a:p>
@@ -18370,66 +18176,66 @@
           </a:p>
           <a:p>
             <a:r>
-              <a:rPr lang="en-GB" dirty="0" smtClean="0"/>
+              <a:rPr lang="en-GB" dirty="0"/>
               <a:t>But there is more !</a:t>
             </a:r>
           </a:p>
           <a:p>
             <a:r>
-              <a:rPr lang="en-GB" dirty="0" smtClean="0"/>
+              <a:rPr lang="en-GB" dirty="0"/>
               <a:t>You can </a:t>
             </a:r>
             <a:r>
-              <a:rPr lang="en-GB" u="sng" dirty="0" smtClean="0"/>
+              <a:rPr lang="en-GB" u="sng" dirty="0"/>
               <a:t>import</a:t>
             </a:r>
             <a:r>
-              <a:rPr lang="en-GB" dirty="0" smtClean="0"/>
+              <a:rPr lang="en-GB" dirty="0"/>
               <a:t> modules, and modules come in two main types.</a:t>
             </a:r>
           </a:p>
           <a:p>
             <a:pPr lvl="1"/>
             <a:r>
-              <a:rPr lang="en-GB" u="sng" dirty="0" smtClean="0"/>
+              <a:rPr lang="en-GB" u="sng" dirty="0"/>
               <a:t>Standard Library</a:t>
             </a:r>
             <a:r>
-              <a:rPr lang="en-GB" dirty="0" smtClean="0"/>
+              <a:rPr lang="en-GB" dirty="0"/>
               <a:t> modules come with Python, and add additional features that are commonly needed in programs.</a:t>
             </a:r>
           </a:p>
           <a:p>
             <a:pPr lvl="1"/>
             <a:r>
-              <a:rPr lang="en-GB" u="sng" dirty="0" smtClean="0"/>
+              <a:rPr lang="en-GB" u="sng" dirty="0"/>
               <a:t>Python Package Index (</a:t>
             </a:r>
             <a:r>
-              <a:rPr lang="en-GB" u="sng" dirty="0" err="1" smtClean="0"/>
+              <a:rPr lang="en-GB" u="sng" dirty="0" err="1"/>
               <a:t>PyPi</a:t>
             </a:r>
             <a:r>
-              <a:rPr lang="en-GB" u="sng" dirty="0" smtClean="0"/>
+              <a:rPr lang="en-GB" u="sng" dirty="0"/>
               <a:t>)</a:t>
             </a:r>
             <a:r>
-              <a:rPr lang="en-GB" dirty="0" smtClean="0"/>
+              <a:rPr lang="en-GB" dirty="0"/>
               <a:t> modules, which you need to download from the internet to use.</a:t>
             </a:r>
           </a:p>
           <a:p>
             <a:pPr lvl="1"/>
             <a:r>
-              <a:rPr lang="en-GB" dirty="0" smtClean="0"/>
+              <a:rPr lang="en-GB" dirty="0"/>
               <a:t>This week, we will use modules in the Standard Library. We will come back to </a:t>
             </a:r>
             <a:r>
-              <a:rPr lang="en-GB" dirty="0" err="1" smtClean="0"/>
+              <a:rPr lang="en-GB" dirty="0" err="1"/>
               <a:t>PyPi</a:t>
             </a:r>
             <a:r>
-              <a:rPr lang="en-GB" dirty="0" smtClean="0"/>
+              <a:rPr lang="en-GB" dirty="0"/>
               <a:t> modules later.</a:t>
             </a:r>
           </a:p>
@@ -18481,10 +18287,9 @@
           <a:lstStyle/>
           <a:p>
             <a:r>
-              <a:rPr lang="en-GB" dirty="0" smtClean="0"/>
+              <a:rPr lang="en-GB" dirty="0"/>
               <a:t>How do I use a module.</a:t>
             </a:r>
-            <a:endParaRPr lang="en-GB" dirty="0"/>
           </a:p>
         </p:txBody>
       </p:sp>
@@ -18506,13 +18311,13 @@
           <a:lstStyle/>
           <a:p>
             <a:r>
-              <a:rPr lang="en-GB" dirty="0" smtClean="0"/>
+              <a:rPr lang="en-GB" dirty="0"/>
               <a:t>First you need to import it.</a:t>
             </a:r>
           </a:p>
           <a:p>
             <a:r>
-              <a:rPr lang="en-GB" dirty="0" smtClean="0"/>
+              <a:rPr lang="en-GB" dirty="0"/>
               <a:t>You can do this anywhere in a program, but it is normal to import modules at the start of the program.</a:t>
             </a:r>
           </a:p>
@@ -18521,27 +18326,27 @@
           </a:p>
           <a:p>
             <a:r>
-              <a:rPr lang="en-GB" dirty="0" smtClean="0"/>
+              <a:rPr lang="en-GB" dirty="0"/>
               <a:t>Once the module is imported, you can use it and </a:t>
             </a:r>
             <a:r>
-              <a:rPr lang="en-GB" u="sng" dirty="0" smtClean="0"/>
+              <a:rPr lang="en-GB" u="sng" dirty="0"/>
               <a:t>functions</a:t>
             </a:r>
             <a:r>
-              <a:rPr lang="en-GB" dirty="0" smtClean="0"/>
+              <a:rPr lang="en-GB" dirty="0"/>
               <a:t> it contains by using </a:t>
             </a:r>
             <a:r>
-              <a:rPr lang="en-GB" u="sng" dirty="0" err="1" smtClean="0"/>
+              <a:rPr lang="en-GB" u="sng" dirty="0" err="1"/>
               <a:t>module_name.function</a:t>
             </a:r>
-            <a:endParaRPr lang="en-GB" u="sng" dirty="0" smtClean="0"/>
+            <a:endParaRPr lang="en-GB" u="sng" dirty="0"/>
           </a:p>
           <a:p>
             <a:pPr lvl="1"/>
             <a:r>
-              <a:rPr lang="en-GB" i="1" dirty="0" smtClean="0"/>
+              <a:rPr lang="en-GB" i="1" dirty="0"/>
               <a:t>We will learn exactly what a function is next week.</a:t>
             </a:r>
           </a:p>
@@ -18551,60 +18356,55 @@
           </a:p>
           <a:p>
             <a:r>
-              <a:rPr lang="en-GB" dirty="0" smtClean="0"/>
+              <a:rPr lang="en-GB" dirty="0"/>
               <a:t>This week, we will be using the </a:t>
             </a:r>
             <a:r>
-              <a:rPr lang="en-GB" u="sng" dirty="0" err="1" smtClean="0"/>
+              <a:rPr lang="en-GB" u="sng" dirty="0" err="1"/>
               <a:t>randint</a:t>
             </a:r>
             <a:r>
               <a:rPr lang="en-GB" dirty="0"/>
-              <a:t> </a:t>
-            </a:r>
-            <a:r>
-              <a:rPr lang="en-GB" dirty="0" smtClean="0"/>
-              <a:t>function.</a:t>
-            </a:r>
-          </a:p>
-          <a:p>
-            <a:r>
-              <a:rPr lang="en-GB" dirty="0" smtClean="0"/>
+              <a:t> function.</a:t>
+            </a:r>
+          </a:p>
+          <a:p>
+            <a:r>
+              <a:rPr lang="en-GB" dirty="0"/>
               <a:t>You use it like </a:t>
             </a:r>
             <a:r>
-              <a:rPr lang="en-GB" u="sng" dirty="0" err="1" smtClean="0"/>
+              <a:rPr lang="en-GB" u="sng" dirty="0" err="1"/>
               <a:t>random.randint</a:t>
             </a:r>
             <a:r>
-              <a:rPr lang="en-GB" u="sng" dirty="0" smtClean="0"/>
+              <a:rPr lang="en-GB" u="sng" dirty="0"/>
               <a:t>(</a:t>
             </a:r>
             <a:r>
-              <a:rPr lang="en-GB" u="sng" dirty="0" err="1" smtClean="0"/>
+              <a:rPr lang="en-GB" u="sng" dirty="0" err="1"/>
               <a:t>a,b</a:t>
             </a:r>
             <a:r>
-              <a:rPr lang="en-GB" u="sng" dirty="0" smtClean="0"/>
+              <a:rPr lang="en-GB" u="sng" dirty="0"/>
               <a:t>)</a:t>
             </a:r>
             <a:r>
-              <a:rPr lang="en-GB" dirty="0" smtClean="0"/>
+              <a:rPr lang="en-GB" dirty="0"/>
               <a:t>, where a and b are integers.</a:t>
             </a:r>
           </a:p>
           <a:p>
             <a:r>
-              <a:rPr lang="en-GB" dirty="0" smtClean="0"/>
+              <a:rPr lang="en-GB" dirty="0"/>
               <a:t>It gets you a random integer between those two numbers.</a:t>
             </a:r>
-            <a:endParaRPr lang="en-GB" dirty="0"/>
           </a:p>
           <a:p>
             <a:pPr marL="0" indent="0">
               <a:buNone/>
             </a:pPr>
-            <a:endParaRPr lang="en-GB" i="1" dirty="0" smtClean="0"/>
+            <a:endParaRPr lang="en-GB" i="1" dirty="0"/>
           </a:p>
         </p:txBody>
       </p:sp>
@@ -18654,10 +18454,9 @@
           <a:lstStyle/>
           <a:p>
             <a:r>
-              <a:rPr lang="en-GB" dirty="0" smtClean="0"/>
+              <a:rPr lang="en-GB" dirty="0"/>
               <a:t>Example – Importing and Using Random.</a:t>
             </a:r>
-            <a:endParaRPr lang="en-GB" dirty="0"/>
           </a:p>
         </p:txBody>
       </p:sp>
@@ -18684,26 +18483,25 @@
           <a:lstStyle/>
           <a:p>
             <a:r>
-              <a:rPr lang="en-GB" dirty="0" smtClean="0"/>
+              <a:rPr lang="en-GB" dirty="0"/>
               <a:t>This program imports the random module.</a:t>
             </a:r>
           </a:p>
           <a:p>
             <a:r>
-              <a:rPr lang="en-GB" dirty="0" smtClean="0"/>
+              <a:rPr lang="en-GB" dirty="0"/>
               <a:t>Then it uses it to roll a 6 sided die.</a:t>
             </a:r>
-            <a:endParaRPr lang="en-GB" dirty="0"/>
-          </a:p>
-          <a:p>
-            <a:r>
-              <a:rPr lang="en-GB" dirty="0" smtClean="0"/>
+          </a:p>
+          <a:p>
+            <a:r>
+              <a:rPr lang="en-GB" dirty="0"/>
               <a:t>Unlike previous programs you have run, you cannot predict what this one will do !</a:t>
             </a:r>
           </a:p>
           <a:p>
             <a:r>
-              <a:rPr lang="en-GB" b="1" dirty="0" smtClean="0">
+              <a:rPr lang="en-GB" b="1" dirty="0">
                 <a:solidFill>
                   <a:srgbClr val="FFFF00"/>
                 </a:solidFill>
@@ -18711,24 +18509,19 @@
               <a:t>Task: </a:t>
             </a:r>
             <a:r>
-              <a:rPr lang="en-GB" dirty="0" smtClean="0">
+              <a:rPr lang="en-GB" dirty="0">
                 <a:solidFill>
                   <a:srgbClr val="FFFF00"/>
                 </a:solidFill>
               </a:rPr>
               <a:t>Type in this program and run it several times. Does it do what you expected ?</a:t>
             </a:r>
-            <a:endParaRPr lang="en-GB" dirty="0">
-              <a:solidFill>
-                <a:srgbClr val="FFFF00"/>
-              </a:solidFill>
-            </a:endParaRPr>
           </a:p>
           <a:p>
             <a:pPr marL="0" indent="0">
               <a:buNone/>
             </a:pPr>
-            <a:endParaRPr lang="en-GB" i="1" dirty="0" smtClean="0"/>
+            <a:endParaRPr lang="en-GB" i="1" dirty="0"/>
           </a:p>
         </p:txBody>
       </p:sp>
@@ -18754,18 +18547,11 @@
           <a:lstStyle/>
           <a:p>
             <a:r>
-              <a:rPr lang="en-GB" dirty="0" smtClean="0">
-                <a:latin typeface="Courier New" panose="02070309020205020404" pitchFamily="49" charset="0"/>
-                <a:cs typeface="Courier New" panose="02070309020205020404" pitchFamily="49" charset="0"/>
-              </a:rPr>
-              <a:t># </a:t>
-            </a:r>
-            <a:r>
               <a:rPr lang="en-GB" dirty="0">
                 <a:latin typeface="Courier New" panose="02070309020205020404" pitchFamily="49" charset="0"/>
                 <a:cs typeface="Courier New" panose="02070309020205020404" pitchFamily="49" charset="0"/>
               </a:rPr>
-              <a:t>Week5, Example1</a:t>
+              <a:t># Week5, Program1</a:t>
             </a:r>
           </a:p>
           <a:p>
@@ -18970,10 +18756,9 @@
           <a:lstStyle/>
           <a:p>
             <a:r>
-              <a:rPr lang="en-GB" dirty="0" smtClean="0"/>
+              <a:rPr lang="en-GB" dirty="0"/>
               <a:t>More Random Examples.</a:t>
             </a:r>
-            <a:endParaRPr lang="en-GB" dirty="0"/>
           </a:p>
         </p:txBody>
       </p:sp>
@@ -19000,7 +18785,7 @@
           <a:lstStyle/>
           <a:p>
             <a:r>
-              <a:rPr lang="en-GB" b="1" dirty="0" smtClean="0">
+              <a:rPr lang="en-GB" b="1" dirty="0">
                 <a:solidFill>
                   <a:srgbClr val="FFFF00"/>
                 </a:solidFill>
@@ -19008,7 +18793,7 @@
               <a:t>Task: </a:t>
             </a:r>
             <a:r>
-              <a:rPr lang="en-GB" dirty="0" smtClean="0">
+              <a:rPr lang="en-GB" dirty="0">
                 <a:solidFill>
                   <a:srgbClr val="FFFF00"/>
                 </a:solidFill>
@@ -19018,7 +18803,7 @@
           </a:p>
           <a:p>
             <a:r>
-              <a:rPr lang="en-GB" b="1" dirty="0" smtClean="0">
+              <a:rPr lang="en-GB" b="1" dirty="0">
                 <a:solidFill>
                   <a:srgbClr val="FFFF00"/>
                 </a:solidFill>
@@ -19026,7 +18811,7 @@
               <a:t>Extra Credit: </a:t>
             </a:r>
             <a:r>
-              <a:rPr lang="en-GB" dirty="0" smtClean="0">
+              <a:rPr lang="en-GB" dirty="0">
                 <a:solidFill>
                   <a:srgbClr val="FFFF00"/>
                 </a:solidFill>
@@ -19043,7 +18828,7 @@
             <a:pPr marL="0" indent="0">
               <a:buNone/>
             </a:pPr>
-            <a:endParaRPr lang="en-GB" i="1" dirty="0" smtClean="0"/>
+            <a:endParaRPr lang="en-GB" i="1" dirty="0"/>
           </a:p>
         </p:txBody>
       </p:sp>
@@ -19069,18 +18854,11 @@
           <a:lstStyle/>
           <a:p>
             <a:r>
-              <a:rPr lang="en-GB" sz="1400" dirty="0" smtClean="0">
-                <a:latin typeface="Courier New" panose="02070309020205020404" pitchFamily="49" charset="0"/>
-                <a:cs typeface="Courier New" panose="02070309020205020404" pitchFamily="49" charset="0"/>
-              </a:rPr>
-              <a:t># </a:t>
-            </a:r>
-            <a:r>
               <a:rPr lang="en-GB" sz="1400" dirty="0">
                 <a:latin typeface="Courier New" panose="02070309020205020404" pitchFamily="49" charset="0"/>
                 <a:cs typeface="Courier New" panose="02070309020205020404" pitchFamily="49" charset="0"/>
               </a:rPr>
-              <a:t>Week5, Example2</a:t>
+              <a:t># Week5, Program2</a:t>
             </a:r>
           </a:p>
           <a:p>
@@ -19287,16 +19065,20 @@
             <p:ph type="title"/>
           </p:nvPr>
         </p:nvSpPr>
-        <p:spPr/>
+        <p:spPr>
+          <a:xfrm>
+            <a:off x="646111" y="443291"/>
+            <a:ext cx="9404723" cy="1400530"/>
+          </a:xfrm>
+        </p:spPr>
         <p:txBody>
           <a:bodyPr/>
           <a:lstStyle/>
           <a:p>
             <a:r>
-              <a:rPr lang="en-GB" dirty="0" smtClean="0"/>
+              <a:rPr lang="en-GB" dirty="0"/>
               <a:t>More about the Random module.</a:t>
             </a:r>
-            <a:endParaRPr lang="en-GB" dirty="0"/>
           </a:p>
         </p:txBody>
       </p:sp>
@@ -19321,55 +19103,54 @@
           <a:lstStyle/>
           <a:p>
             <a:r>
-              <a:rPr lang="en-GB" dirty="0" smtClean="0"/>
+              <a:rPr lang="en-GB" dirty="0"/>
               <a:t>There is more to the </a:t>
             </a:r>
             <a:r>
-              <a:rPr lang="en-GB" u="sng" dirty="0" smtClean="0"/>
+              <a:rPr lang="en-GB" u="sng" dirty="0"/>
               <a:t>random module</a:t>
             </a:r>
             <a:r>
-              <a:rPr lang="en-GB" dirty="0" smtClean="0"/>
+              <a:rPr lang="en-GB" dirty="0"/>
               <a:t> than just </a:t>
             </a:r>
             <a:r>
-              <a:rPr lang="en-GB" u="sng" dirty="0" err="1" smtClean="0"/>
+              <a:rPr lang="en-GB" u="sng" dirty="0" err="1"/>
               <a:t>random.randint</a:t>
             </a:r>
-            <a:endParaRPr lang="en-GB" u="sng" dirty="0" smtClean="0"/>
-          </a:p>
-          <a:p>
-            <a:r>
-              <a:rPr lang="en-GB" dirty="0" smtClean="0"/>
+            <a:endParaRPr lang="en-GB" u="sng" dirty="0"/>
+          </a:p>
+          <a:p>
+            <a:r>
+              <a:rPr lang="en-GB" dirty="0"/>
               <a:t>Another function of the random module is </a:t>
             </a:r>
             <a:r>
-              <a:rPr lang="en-GB" u="sng" dirty="0" err="1" smtClean="0"/>
+              <a:rPr lang="en-GB" u="sng" dirty="0" err="1"/>
               <a:t>random.choice</a:t>
             </a:r>
             <a:endParaRPr lang="en-GB" u="sng" dirty="0"/>
           </a:p>
           <a:p>
             <a:r>
-              <a:rPr lang="en-GB" dirty="0" smtClean="0"/>
+              <a:rPr lang="en-GB" dirty="0"/>
               <a:t>You </a:t>
             </a:r>
             <a:r>
-              <a:rPr lang="en-GB" u="sng" dirty="0" smtClean="0"/>
+              <a:rPr lang="en-GB" u="sng" dirty="0"/>
               <a:t>pass</a:t>
             </a:r>
             <a:r>
-              <a:rPr lang="en-GB" dirty="0" smtClean="0"/>
+              <a:rPr lang="en-GB" dirty="0"/>
               <a:t> it a list, and it returns a random item from that list.</a:t>
             </a:r>
             <a:endParaRPr lang="en-GB" u="sng" dirty="0"/>
           </a:p>
           <a:p>
             <a:r>
-              <a:rPr lang="en-GB" dirty="0" smtClean="0"/>
+              <a:rPr lang="en-GB" dirty="0"/>
               <a:t>Look at this new example, which does the same random prime minister choice as the last program.</a:t>
             </a:r>
-            <a:endParaRPr lang="en-GB" dirty="0"/>
           </a:p>
         </p:txBody>
       </p:sp>
@@ -19623,7 +19404,7 @@
           </a:lstStyle>
           <a:p>
             <a:r>
-              <a:rPr lang="en-GB" b="1" dirty="0" smtClean="0">
+              <a:rPr lang="en-GB" b="1" dirty="0">
                 <a:solidFill>
                   <a:srgbClr val="FFFF00"/>
                 </a:solidFill>
@@ -19631,7 +19412,7 @@
               <a:t>Task: </a:t>
             </a:r>
             <a:r>
-              <a:rPr lang="en-GB" dirty="0" smtClean="0">
+              <a:rPr lang="en-GB" dirty="0">
                 <a:solidFill>
                   <a:srgbClr val="FFFF00"/>
                 </a:solidFill>
@@ -19641,7 +19422,7 @@
           </a:p>
           <a:p>
             <a:r>
-              <a:rPr lang="en-GB" b="1" dirty="0" smtClean="0">
+              <a:rPr lang="en-GB" b="1" dirty="0">
                 <a:solidFill>
                   <a:srgbClr val="FFFF00"/>
                 </a:solidFill>
@@ -19649,14 +19430,14 @@
               <a:t>Extra Credit: </a:t>
             </a:r>
             <a:r>
-              <a:rPr lang="en-GB" dirty="0" smtClean="0">
+              <a:rPr lang="en-GB" dirty="0">
                 <a:solidFill>
                   <a:srgbClr val="FFFF00"/>
                 </a:solidFill>
               </a:rPr>
               <a:t>Look up the history and find an important event.</a:t>
             </a:r>
-            <a:endParaRPr lang="en-GB" b="1" dirty="0" smtClean="0">
+            <a:endParaRPr lang="en-GB" b="1" dirty="0">
               <a:solidFill>
                 <a:srgbClr val="FFFF00"/>
               </a:solidFill>
@@ -19667,7 +19448,7 @@
               <a:buFont typeface="Wingdings 3" charset="2"/>
               <a:buNone/>
             </a:pPr>
-            <a:endParaRPr lang="en-GB" i="1" dirty="0" smtClean="0"/>
+            <a:endParaRPr lang="en-GB" i="1" dirty="0"/>
           </a:p>
         </p:txBody>
       </p:sp>
@@ -19697,7 +19478,7 @@
                 <a:latin typeface="Courier New" panose="02070309020205020404" pitchFamily="49" charset="0"/>
                 <a:cs typeface="Courier New" panose="02070309020205020404" pitchFamily="49" charset="0"/>
               </a:rPr>
-              <a:t># Week5, Example3</a:t>
+              <a:t># Week5, Program3</a:t>
             </a:r>
           </a:p>
           <a:p>
@@ -19836,10 +19617,9 @@
           <a:lstStyle/>
           <a:p>
             <a:r>
-              <a:rPr lang="en-GB" b="1" dirty="0" smtClean="0"/>
+              <a:rPr lang="en-GB" b="1" dirty="0"/>
               <a:t>Dictionaries.</a:t>
             </a:r>
-            <a:endParaRPr lang="en-GB" b="1" dirty="0"/>
           </a:p>
         </p:txBody>
       </p:sp>
